--- a/HTML PPT.pptx
+++ b/HTML PPT.pptx
@@ -17,28 +17,27 @@
     <p:sldId id="268" r:id="rId11"/>
     <p:sldId id="269" r:id="rId12"/>
     <p:sldId id="270" r:id="rId13"/>
-    <p:sldId id="290" r:id="rId14"/>
-    <p:sldId id="271" r:id="rId15"/>
-    <p:sldId id="272" r:id="rId16"/>
-    <p:sldId id="273" r:id="rId17"/>
-    <p:sldId id="274" r:id="rId18"/>
-    <p:sldId id="275" r:id="rId19"/>
-    <p:sldId id="276" r:id="rId20"/>
-    <p:sldId id="277" r:id="rId21"/>
-    <p:sldId id="278" r:id="rId22"/>
-    <p:sldId id="279" r:id="rId23"/>
-    <p:sldId id="280" r:id="rId24"/>
-    <p:sldId id="281" r:id="rId25"/>
-    <p:sldId id="282" r:id="rId26"/>
-    <p:sldId id="283" r:id="rId27"/>
-    <p:sldId id="284" r:id="rId28"/>
-    <p:sldId id="285" r:id="rId29"/>
-    <p:sldId id="286" r:id="rId30"/>
-    <p:sldId id="287" r:id="rId31"/>
-    <p:sldId id="294" r:id="rId32"/>
-    <p:sldId id="288" r:id="rId33"/>
-    <p:sldId id="289" r:id="rId34"/>
-    <p:sldId id="293" r:id="rId35"/>
+    <p:sldId id="271" r:id="rId14"/>
+    <p:sldId id="272" r:id="rId15"/>
+    <p:sldId id="273" r:id="rId16"/>
+    <p:sldId id="274" r:id="rId17"/>
+    <p:sldId id="275" r:id="rId18"/>
+    <p:sldId id="276" r:id="rId19"/>
+    <p:sldId id="277" r:id="rId20"/>
+    <p:sldId id="278" r:id="rId21"/>
+    <p:sldId id="279" r:id="rId22"/>
+    <p:sldId id="280" r:id="rId23"/>
+    <p:sldId id="281" r:id="rId24"/>
+    <p:sldId id="282" r:id="rId25"/>
+    <p:sldId id="283" r:id="rId26"/>
+    <p:sldId id="284" r:id="rId27"/>
+    <p:sldId id="285" r:id="rId28"/>
+    <p:sldId id="286" r:id="rId29"/>
+    <p:sldId id="287" r:id="rId30"/>
+    <p:sldId id="294" r:id="rId31"/>
+    <p:sldId id="288" r:id="rId32"/>
+    <p:sldId id="289" r:id="rId33"/>
+    <p:sldId id="293" r:id="rId34"/>
   </p:sldIdLst>
   <p:sldSz cx="12192000" cy="6858000"/>
   <p:notesSz cx="6858000" cy="9144000"/>
@@ -278,7 +277,7 @@
           <a:p>
             <a:fld id="{DFBD87F2-E611-4A5A-94BD-D33F325A6E53}" type="datetimeFigureOut">
               <a:rPr lang="en-IN" smtClean="0"/>
-              <a:t>21-03-2025</a:t>
+              <a:t>16-04-2025</a:t>
             </a:fld>
             <a:endParaRPr lang="en-IN"/>
           </a:p>
@@ -565,7 +564,7 @@
           <a:p>
             <a:fld id="{DFBD87F2-E611-4A5A-94BD-D33F325A6E53}" type="datetimeFigureOut">
               <a:rPr lang="en-IN" smtClean="0"/>
-              <a:t>21-03-2025</a:t>
+              <a:t>16-04-2025</a:t>
             </a:fld>
             <a:endParaRPr lang="en-IN"/>
           </a:p>
@@ -757,7 +756,7 @@
           <a:p>
             <a:fld id="{DFBD87F2-E611-4A5A-94BD-D33F325A6E53}" type="datetimeFigureOut">
               <a:rPr lang="en-IN" smtClean="0"/>
-              <a:t>21-03-2025</a:t>
+              <a:t>16-04-2025</a:t>
             </a:fld>
             <a:endParaRPr lang="en-IN"/>
           </a:p>
@@ -1018,7 +1017,7 @@
           <a:p>
             <a:fld id="{DFBD87F2-E611-4A5A-94BD-D33F325A6E53}" type="datetimeFigureOut">
               <a:rPr lang="en-IN" smtClean="0"/>
-              <a:t>21-03-2025</a:t>
+              <a:t>16-04-2025</a:t>
             </a:fld>
             <a:endParaRPr lang="en-IN"/>
           </a:p>
@@ -1442,7 +1441,7 @@
           <a:p>
             <a:fld id="{DFBD87F2-E611-4A5A-94BD-D33F325A6E53}" type="datetimeFigureOut">
               <a:rPr lang="en-IN" smtClean="0"/>
-              <a:t>21-03-2025</a:t>
+              <a:t>16-04-2025</a:t>
             </a:fld>
             <a:endParaRPr lang="en-IN"/>
           </a:p>
@@ -1988,7 +1987,7 @@
           <a:p>
             <a:fld id="{DFBD87F2-E611-4A5A-94BD-D33F325A6E53}" type="datetimeFigureOut">
               <a:rPr lang="en-IN" smtClean="0"/>
-              <a:t>21-03-2025</a:t>
+              <a:t>16-04-2025</a:t>
             </a:fld>
             <a:endParaRPr lang="en-IN"/>
           </a:p>
@@ -2828,7 +2827,7 @@
           <a:p>
             <a:fld id="{DFBD87F2-E611-4A5A-94BD-D33F325A6E53}" type="datetimeFigureOut">
               <a:rPr lang="en-IN" smtClean="0"/>
-              <a:t>21-03-2025</a:t>
+              <a:t>16-04-2025</a:t>
             </a:fld>
             <a:endParaRPr lang="en-IN"/>
           </a:p>
@@ -2998,7 +2997,7 @@
           <a:p>
             <a:fld id="{DFBD87F2-E611-4A5A-94BD-D33F325A6E53}" type="datetimeFigureOut">
               <a:rPr lang="en-IN" smtClean="0"/>
-              <a:t>21-03-2025</a:t>
+              <a:t>16-04-2025</a:t>
             </a:fld>
             <a:endParaRPr lang="en-IN"/>
           </a:p>
@@ -3182,7 +3181,7 @@
           <a:p>
             <a:fld id="{DFBD87F2-E611-4A5A-94BD-D33F325A6E53}" type="datetimeFigureOut">
               <a:rPr lang="en-IN" smtClean="0"/>
-              <a:t>21-03-2025</a:t>
+              <a:t>16-04-2025</a:t>
             </a:fld>
             <a:endParaRPr lang="en-IN"/>
           </a:p>
@@ -3352,7 +3351,7 @@
           <a:p>
             <a:fld id="{DFBD87F2-E611-4A5A-94BD-D33F325A6E53}" type="datetimeFigureOut">
               <a:rPr lang="en-IN" smtClean="0"/>
-              <a:t>21-03-2025</a:t>
+              <a:t>16-04-2025</a:t>
             </a:fld>
             <a:endParaRPr lang="en-IN"/>
           </a:p>
@@ -3600,7 +3599,7 @@
           <a:p>
             <a:fld id="{DFBD87F2-E611-4A5A-94BD-D33F325A6E53}" type="datetimeFigureOut">
               <a:rPr lang="en-IN" smtClean="0"/>
-              <a:t>21-03-2025</a:t>
+              <a:t>16-04-2025</a:t>
             </a:fld>
             <a:endParaRPr lang="en-IN"/>
           </a:p>
@@ -3837,7 +3836,7 @@
           <a:p>
             <a:fld id="{DFBD87F2-E611-4A5A-94BD-D33F325A6E53}" type="datetimeFigureOut">
               <a:rPr lang="en-IN" smtClean="0"/>
-              <a:t>21-03-2025</a:t>
+              <a:t>16-04-2025</a:t>
             </a:fld>
             <a:endParaRPr lang="en-IN"/>
           </a:p>
@@ -4210,7 +4209,7 @@
           <a:p>
             <a:fld id="{DFBD87F2-E611-4A5A-94BD-D33F325A6E53}" type="datetimeFigureOut">
               <a:rPr lang="en-IN" smtClean="0"/>
-              <a:t>21-03-2025</a:t>
+              <a:t>16-04-2025</a:t>
             </a:fld>
             <a:endParaRPr lang="en-IN"/>
           </a:p>
@@ -4328,7 +4327,7 @@
           <a:p>
             <a:fld id="{DFBD87F2-E611-4A5A-94BD-D33F325A6E53}" type="datetimeFigureOut">
               <a:rPr lang="en-IN" smtClean="0"/>
-              <a:t>21-03-2025</a:t>
+              <a:t>16-04-2025</a:t>
             </a:fld>
             <a:endParaRPr lang="en-IN"/>
           </a:p>
@@ -4423,7 +4422,7 @@
           <a:p>
             <a:fld id="{DFBD87F2-E611-4A5A-94BD-D33F325A6E53}" type="datetimeFigureOut">
               <a:rPr lang="en-IN" smtClean="0"/>
-              <a:t>21-03-2025</a:t>
+              <a:t>16-04-2025</a:t>
             </a:fld>
             <a:endParaRPr lang="en-IN"/>
           </a:p>
@@ -4674,7 +4673,7 @@
           <a:p>
             <a:fld id="{DFBD87F2-E611-4A5A-94BD-D33F325A6E53}" type="datetimeFigureOut">
               <a:rPr lang="en-IN" smtClean="0"/>
-              <a:t>21-03-2025</a:t>
+              <a:t>16-04-2025</a:t>
             </a:fld>
             <a:endParaRPr lang="en-IN"/>
           </a:p>
@@ -4961,7 +4960,7 @@
           <a:p>
             <a:fld id="{DFBD87F2-E611-4A5A-94BD-D33F325A6E53}" type="datetimeFigureOut">
               <a:rPr lang="en-IN" smtClean="0"/>
-              <a:t>21-03-2025</a:t>
+              <a:t>16-04-2025</a:t>
             </a:fld>
             <a:endParaRPr lang="en-IN"/>
           </a:p>
@@ -5174,7 +5173,7 @@
           <a:p>
             <a:fld id="{DFBD87F2-E611-4A5A-94BD-D33F325A6E53}" type="datetimeFigureOut">
               <a:rPr lang="en-IN" smtClean="0"/>
-              <a:t>21-03-2025</a:t>
+              <a:t>16-04-2025</a:t>
             </a:fld>
             <a:endParaRPr lang="en-IN"/>
           </a:p>
@@ -6388,66 +6387,6 @@
           <a:chExt cx="0" cy="0"/>
         </a:xfrm>
       </p:grpSpPr>
-      <p:pic>
-        <p:nvPicPr>
-          <p:cNvPr id="11" name="Picture 10">
-            <a:extLst>
-              <a:ext uri="{FF2B5EF4-FFF2-40B4-BE49-F238E27FC236}">
-                <a16:creationId xmlns:a16="http://schemas.microsoft.com/office/drawing/2014/main" id="{104685C7-E628-8B03-52B6-67AA6CFBBE3E}"/>
-              </a:ext>
-            </a:extLst>
-          </p:cNvPr>
-          <p:cNvPicPr>
-            <a:picLocks noChangeAspect="1"/>
-          </p:cNvPicPr>
-          <p:nvPr/>
-        </p:nvPicPr>
-        <p:blipFill>
-          <a:blip r:embed="rId2"/>
-          <a:stretch>
-            <a:fillRect/>
-          </a:stretch>
-        </p:blipFill>
-        <p:spPr>
-          <a:xfrm>
-            <a:off x="168928" y="270621"/>
-            <a:ext cx="11866190" cy="6133669"/>
-          </a:xfrm>
-          <a:prstGeom prst="rect">
-            <a:avLst/>
-          </a:prstGeom>
-        </p:spPr>
-      </p:pic>
-    </p:spTree>
-    <p:extLst>
-      <p:ext uri="{BB962C8B-B14F-4D97-AF65-F5344CB8AC3E}">
-        <p14:creationId xmlns:p14="http://schemas.microsoft.com/office/powerpoint/2010/main" val="2073414064"/>
-      </p:ext>
-    </p:extLst>
-  </p:cSld>
-  <p:clrMapOvr>
-    <a:masterClrMapping/>
-  </p:clrMapOvr>
-</p:sld>
-</file>
-
-<file path=ppt/slides/slide14.xml><?xml version="1.0" encoding="utf-8"?>
-<p:sld xmlns:a="http://schemas.openxmlformats.org/drawingml/2006/main" xmlns:r="http://schemas.openxmlformats.org/officeDocument/2006/relationships" xmlns:p="http://schemas.openxmlformats.org/presentationml/2006/main">
-  <p:cSld>
-    <p:spTree>
-      <p:nvGrpSpPr>
-        <p:cNvPr id="1" name=""/>
-        <p:cNvGrpSpPr/>
-        <p:nvPr/>
-      </p:nvGrpSpPr>
-      <p:grpSpPr>
-        <a:xfrm>
-          <a:off x="0" y="0"/>
-          <a:ext cx="0" cy="0"/>
-          <a:chOff x="0" y="0"/>
-          <a:chExt cx="0" cy="0"/>
-        </a:xfrm>
-      </p:grpSpPr>
       <p:sp>
         <p:nvSpPr>
           <p:cNvPr id="3" name="Content Placeholder 2">
@@ -6612,7 +6551,7 @@
 </p:sld>
 </file>
 
-<file path=ppt/slides/slide15.xml><?xml version="1.0" encoding="utf-8"?>
+<file path=ppt/slides/slide14.xml><?xml version="1.0" encoding="utf-8"?>
 <p:sld xmlns:a="http://schemas.openxmlformats.org/drawingml/2006/main" xmlns:r="http://schemas.openxmlformats.org/officeDocument/2006/relationships" xmlns:p="http://schemas.openxmlformats.org/presentationml/2006/main">
   <p:cSld>
     <p:spTree>
@@ -6728,7 +6667,7 @@
 </p:sld>
 </file>
 
-<file path=ppt/slides/slide16.xml><?xml version="1.0" encoding="utf-8"?>
+<file path=ppt/slides/slide15.xml><?xml version="1.0" encoding="utf-8"?>
 <p:sld xmlns:a="http://schemas.openxmlformats.org/drawingml/2006/main" xmlns:r="http://schemas.openxmlformats.org/officeDocument/2006/relationships" xmlns:p="http://schemas.openxmlformats.org/presentationml/2006/main">
   <p:cSld>
     <p:spTree>
@@ -6981,7 +6920,7 @@
 </p:sld>
 </file>
 
-<file path=ppt/slides/slide17.xml><?xml version="1.0" encoding="utf-8"?>
+<file path=ppt/slides/slide16.xml><?xml version="1.0" encoding="utf-8"?>
 <p:sld xmlns:a="http://schemas.openxmlformats.org/drawingml/2006/main" xmlns:r="http://schemas.openxmlformats.org/officeDocument/2006/relationships" xmlns:p="http://schemas.openxmlformats.org/presentationml/2006/main">
   <p:cSld>
     <p:spTree>
@@ -7383,7 +7322,7 @@
           <a:p>
             <a:r>
               <a:rPr lang="en-IN" sz="2400" dirty="0"/>
-              <a:t>&lt;td&gt;: Defines a standard table cell (data cell).</a:t>
+              <a:t>&lt;t	d&gt;: Defines a standard table cell (data cell).</a:t>
             </a:r>
           </a:p>
         </p:txBody>
@@ -7401,7 +7340,7 @@
 </p:sld>
 </file>
 
-<file path=ppt/slides/slide18.xml><?xml version="1.0" encoding="utf-8"?>
+<file path=ppt/slides/slide17.xml><?xml version="1.0" encoding="utf-8"?>
 <p:sld xmlns:a="http://schemas.openxmlformats.org/drawingml/2006/main" xmlns:r="http://schemas.openxmlformats.org/officeDocument/2006/relationships" xmlns:p="http://schemas.openxmlformats.org/presentationml/2006/main">
   <p:cSld>
     <p:spTree>
@@ -7799,7 +7738,7 @@
 </p:sld>
 </file>
 
-<file path=ppt/slides/slide19.xml><?xml version="1.0" encoding="utf-8"?>
+<file path=ppt/slides/slide18.xml><?xml version="1.0" encoding="utf-8"?>
 <p:sld xmlns:a="http://schemas.openxmlformats.org/drawingml/2006/main" xmlns:r="http://schemas.openxmlformats.org/officeDocument/2006/relationships" xmlns:p="http://schemas.openxmlformats.org/presentationml/2006/main">
   <p:cSld>
     <p:spTree>
@@ -7930,6 +7869,275 @@
     <p:extLst>
       <p:ext uri="{BB962C8B-B14F-4D97-AF65-F5344CB8AC3E}">
         <p14:creationId xmlns:p14="http://schemas.microsoft.com/office/powerpoint/2010/main" val="4117784879"/>
+      </p:ext>
+    </p:extLst>
+  </p:cSld>
+  <p:clrMapOvr>
+    <a:masterClrMapping/>
+  </p:clrMapOvr>
+</p:sld>
+</file>
+
+<file path=ppt/slides/slide19.xml><?xml version="1.0" encoding="utf-8"?>
+<p:sld xmlns:a="http://schemas.openxmlformats.org/drawingml/2006/main" xmlns:r="http://schemas.openxmlformats.org/officeDocument/2006/relationships" xmlns:p="http://schemas.openxmlformats.org/presentationml/2006/main">
+  <p:cSld>
+    <p:spTree>
+      <p:nvGrpSpPr>
+        <p:cNvPr id="1" name=""/>
+        <p:cNvGrpSpPr/>
+        <p:nvPr/>
+      </p:nvGrpSpPr>
+      <p:grpSpPr>
+        <a:xfrm>
+          <a:off x="0" y="0"/>
+          <a:ext cx="0" cy="0"/>
+          <a:chOff x="0" y="0"/>
+          <a:chExt cx="0" cy="0"/>
+        </a:xfrm>
+      </p:grpSpPr>
+      <p:sp>
+        <p:nvSpPr>
+          <p:cNvPr id="3" name="Content Placeholder 2">
+            <a:extLst>
+              <a:ext uri="{FF2B5EF4-FFF2-40B4-BE49-F238E27FC236}">
+                <a16:creationId xmlns:a16="http://schemas.microsoft.com/office/drawing/2014/main" id="{22B15865-D79D-7BB6-7084-3AB7F139A6B7}"/>
+              </a:ext>
+            </a:extLst>
+          </p:cNvPr>
+          <p:cNvSpPr>
+            <a:spLocks noGrp="1"/>
+          </p:cNvSpPr>
+          <p:nvPr>
+            <p:ph idx="1"/>
+          </p:nvPr>
+        </p:nvSpPr>
+        <p:spPr>
+          <a:xfrm>
+            <a:off x="913795" y="0"/>
+            <a:ext cx="10353762" cy="6858000"/>
+          </a:xfrm>
+        </p:spPr>
+        <p:txBody>
+          <a:bodyPr>
+            <a:normAutofit fontScale="92500" lnSpcReduction="10000"/>
+          </a:bodyPr>
+          <a:lstStyle/>
+          <a:p>
+            <a:r>
+              <a:rPr lang="en-US" sz="1200" dirty="0"/>
+              <a:t>Example with </a:t>
+            </a:r>
+            <a:r>
+              <a:rPr lang="en-US" sz="1200" dirty="0" err="1"/>
+              <a:t>colspan</a:t>
+            </a:r>
+            <a:r>
+              <a:rPr lang="en-US" sz="1200" dirty="0"/>
+              <a:t> and </a:t>
+            </a:r>
+            <a:r>
+              <a:rPr lang="en-US" sz="1200" dirty="0" err="1"/>
+              <a:t>rowspan</a:t>
+            </a:r>
+            <a:r>
+              <a:rPr lang="en-US" sz="1200" dirty="0"/>
+              <a:t>:</a:t>
+            </a:r>
+          </a:p>
+          <a:p>
+            <a:endParaRPr lang="en-US" sz="1200" dirty="0"/>
+          </a:p>
+          <a:p>
+            <a:r>
+              <a:rPr lang="en-US" sz="1200" dirty="0"/>
+              <a:t>&lt;table border="1"&gt;</a:t>
+            </a:r>
+          </a:p>
+          <a:p>
+            <a:r>
+              <a:rPr lang="en-US" sz="1200" dirty="0"/>
+              <a:t>  &lt;tr&gt;</a:t>
+            </a:r>
+          </a:p>
+          <a:p>
+            <a:r>
+              <a:rPr lang="en-US" sz="1200" dirty="0"/>
+              <a:t>    &lt;</a:t>
+            </a:r>
+            <a:r>
+              <a:rPr lang="en-US" sz="1200" dirty="0" err="1"/>
+              <a:t>th</a:t>
+            </a:r>
+            <a:r>
+              <a:rPr lang="en-US" sz="1200" dirty="0"/>
+              <a:t>&gt;Name&lt;/</a:t>
+            </a:r>
+            <a:r>
+              <a:rPr lang="en-US" sz="1200" dirty="0" err="1"/>
+              <a:t>th</a:t>
+            </a:r>
+            <a:r>
+              <a:rPr lang="en-US" sz="1200" dirty="0"/>
+              <a:t>&gt;</a:t>
+            </a:r>
+          </a:p>
+          <a:p>
+            <a:r>
+              <a:rPr lang="en-US" sz="1200" dirty="0"/>
+              <a:t>    &lt;</a:t>
+            </a:r>
+            <a:r>
+              <a:rPr lang="en-US" sz="1200" dirty="0" err="1"/>
+              <a:t>th</a:t>
+            </a:r>
+            <a:r>
+              <a:rPr lang="en-US" sz="1200" dirty="0"/>
+              <a:t>&gt;Age&lt;/</a:t>
+            </a:r>
+            <a:r>
+              <a:rPr lang="en-US" sz="1200" dirty="0" err="1"/>
+              <a:t>th</a:t>
+            </a:r>
+            <a:r>
+              <a:rPr lang="en-US" sz="1200" dirty="0"/>
+              <a:t>&gt;</a:t>
+            </a:r>
+          </a:p>
+          <a:p>
+            <a:r>
+              <a:rPr lang="en-US" sz="1200" dirty="0"/>
+              <a:t>    &lt;</a:t>
+            </a:r>
+            <a:r>
+              <a:rPr lang="en-US" sz="1200" dirty="0" err="1"/>
+              <a:t>th</a:t>
+            </a:r>
+            <a:r>
+              <a:rPr lang="en-US" sz="1200" dirty="0"/>
+              <a:t>&gt;Location&lt;/</a:t>
+            </a:r>
+            <a:r>
+              <a:rPr lang="en-US" sz="1200" dirty="0" err="1"/>
+              <a:t>th</a:t>
+            </a:r>
+            <a:r>
+              <a:rPr lang="en-US" sz="1200" dirty="0"/>
+              <a:t>&gt;</a:t>
+            </a:r>
+          </a:p>
+          <a:p>
+            <a:r>
+              <a:rPr lang="en-US" sz="1200" dirty="0"/>
+              <a:t>  &lt;/tr&gt;</a:t>
+            </a:r>
+          </a:p>
+          <a:p>
+            <a:r>
+              <a:rPr lang="en-US" sz="1200" dirty="0"/>
+              <a:t>  &lt;tr&gt;</a:t>
+            </a:r>
+          </a:p>
+          <a:p>
+            <a:r>
+              <a:rPr lang="en-US" sz="1200" dirty="0"/>
+              <a:t>    &lt;td&gt;John&lt;/td&gt;</a:t>
+            </a:r>
+          </a:p>
+          <a:p>
+            <a:r>
+              <a:rPr lang="en-US" sz="1200" dirty="0"/>
+              <a:t>    &lt;td </a:t>
+            </a:r>
+            <a:r>
+              <a:rPr lang="en-US" sz="1200" dirty="0" err="1"/>
+              <a:t>rowspan</a:t>
+            </a:r>
+            <a:r>
+              <a:rPr lang="en-US" sz="1200" dirty="0"/>
+              <a:t>="2"&gt;25&lt;/td&gt;</a:t>
+            </a:r>
+          </a:p>
+          <a:p>
+            <a:r>
+              <a:rPr lang="en-US" sz="1200" dirty="0"/>
+              <a:t>    &lt;td&gt;New York&lt;/td&gt;</a:t>
+            </a:r>
+          </a:p>
+          <a:p>
+            <a:r>
+              <a:rPr lang="en-US" sz="1200" dirty="0"/>
+              <a:t>  &lt;/tr&gt;</a:t>
+            </a:r>
+          </a:p>
+          <a:p>
+            <a:r>
+              <a:rPr lang="en-US" sz="1200" dirty="0"/>
+              <a:t>  &lt;tr&gt;</a:t>
+            </a:r>
+          </a:p>
+          <a:p>
+            <a:r>
+              <a:rPr lang="en-US" sz="1200" dirty="0"/>
+              <a:t>    &lt;td&gt;Jane&lt;/td&gt;</a:t>
+            </a:r>
+          </a:p>
+          <a:p>
+            <a:r>
+              <a:rPr lang="en-US" sz="1200" dirty="0"/>
+              <a:t>    &lt;td&gt;Los Angeles&lt;/td&gt;</a:t>
+            </a:r>
+          </a:p>
+          <a:p>
+            <a:r>
+              <a:rPr lang="en-US" sz="1200" dirty="0"/>
+              <a:t>  &lt;/tr&gt;</a:t>
+            </a:r>
+          </a:p>
+          <a:p>
+            <a:r>
+              <a:rPr lang="en-US" sz="1200" dirty="0"/>
+              <a:t>  &lt;tr&gt;</a:t>
+            </a:r>
+          </a:p>
+          <a:p>
+            <a:r>
+              <a:rPr lang="en-US" sz="1200" dirty="0"/>
+              <a:t>    &lt;td </a:t>
+            </a:r>
+            <a:r>
+              <a:rPr lang="en-US" sz="1200" dirty="0" err="1"/>
+              <a:t>colspan</a:t>
+            </a:r>
+            <a:r>
+              <a:rPr lang="en-US" sz="1200" dirty="0"/>
+              <a:t>="2"&gt;Total&lt;/td&gt;</a:t>
+            </a:r>
+          </a:p>
+          <a:p>
+            <a:r>
+              <a:rPr lang="en-US" sz="1200" dirty="0"/>
+              <a:t>    &lt;td&gt;2 People&lt;/td&gt;</a:t>
+            </a:r>
+          </a:p>
+          <a:p>
+            <a:r>
+              <a:rPr lang="en-US" sz="1200" dirty="0"/>
+              <a:t>  &lt;/tr&gt;</a:t>
+            </a:r>
+          </a:p>
+          <a:p>
+            <a:r>
+              <a:rPr lang="en-US" sz="1200" dirty="0"/>
+              <a:t>&lt;/table&gt;</a:t>
+            </a:r>
+            <a:endParaRPr lang="en-IN" sz="1200" dirty="0"/>
+          </a:p>
+        </p:txBody>
+      </p:sp>
+    </p:spTree>
+    <p:extLst>
+      <p:ext uri="{BB962C8B-B14F-4D97-AF65-F5344CB8AC3E}">
+        <p14:creationId xmlns:p14="http://schemas.microsoft.com/office/powerpoint/2010/main" val="2637378502"/>
       </p:ext>
     </p:extLst>
   </p:cSld>
@@ -8262,275 +8470,6 @@
       </p:grpSpPr>
       <p:sp>
         <p:nvSpPr>
-          <p:cNvPr id="3" name="Content Placeholder 2">
-            <a:extLst>
-              <a:ext uri="{FF2B5EF4-FFF2-40B4-BE49-F238E27FC236}">
-                <a16:creationId xmlns:a16="http://schemas.microsoft.com/office/drawing/2014/main" id="{22B15865-D79D-7BB6-7084-3AB7F139A6B7}"/>
-              </a:ext>
-            </a:extLst>
-          </p:cNvPr>
-          <p:cNvSpPr>
-            <a:spLocks noGrp="1"/>
-          </p:cNvSpPr>
-          <p:nvPr>
-            <p:ph idx="1"/>
-          </p:nvPr>
-        </p:nvSpPr>
-        <p:spPr>
-          <a:xfrm>
-            <a:off x="913795" y="0"/>
-            <a:ext cx="10353762" cy="6858000"/>
-          </a:xfrm>
-        </p:spPr>
-        <p:txBody>
-          <a:bodyPr>
-            <a:normAutofit fontScale="92500" lnSpcReduction="10000"/>
-          </a:bodyPr>
-          <a:lstStyle/>
-          <a:p>
-            <a:r>
-              <a:rPr lang="en-US" sz="1200" dirty="0"/>
-              <a:t>Example with </a:t>
-            </a:r>
-            <a:r>
-              <a:rPr lang="en-US" sz="1200" dirty="0" err="1"/>
-              <a:t>colspan</a:t>
-            </a:r>
-            <a:r>
-              <a:rPr lang="en-US" sz="1200" dirty="0"/>
-              <a:t> and </a:t>
-            </a:r>
-            <a:r>
-              <a:rPr lang="en-US" sz="1200" dirty="0" err="1"/>
-              <a:t>rowspan</a:t>
-            </a:r>
-            <a:r>
-              <a:rPr lang="en-US" sz="1200" dirty="0"/>
-              <a:t>:</a:t>
-            </a:r>
-          </a:p>
-          <a:p>
-            <a:endParaRPr lang="en-US" sz="1200" dirty="0"/>
-          </a:p>
-          <a:p>
-            <a:r>
-              <a:rPr lang="en-US" sz="1200" dirty="0"/>
-              <a:t>&lt;table border="1"&gt;</a:t>
-            </a:r>
-          </a:p>
-          <a:p>
-            <a:r>
-              <a:rPr lang="en-US" sz="1200" dirty="0"/>
-              <a:t>  &lt;tr&gt;</a:t>
-            </a:r>
-          </a:p>
-          <a:p>
-            <a:r>
-              <a:rPr lang="en-US" sz="1200" dirty="0"/>
-              <a:t>    &lt;</a:t>
-            </a:r>
-            <a:r>
-              <a:rPr lang="en-US" sz="1200" dirty="0" err="1"/>
-              <a:t>th</a:t>
-            </a:r>
-            <a:r>
-              <a:rPr lang="en-US" sz="1200" dirty="0"/>
-              <a:t>&gt;Name&lt;/</a:t>
-            </a:r>
-            <a:r>
-              <a:rPr lang="en-US" sz="1200" dirty="0" err="1"/>
-              <a:t>th</a:t>
-            </a:r>
-            <a:r>
-              <a:rPr lang="en-US" sz="1200" dirty="0"/>
-              <a:t>&gt;</a:t>
-            </a:r>
-          </a:p>
-          <a:p>
-            <a:r>
-              <a:rPr lang="en-US" sz="1200" dirty="0"/>
-              <a:t>    &lt;</a:t>
-            </a:r>
-            <a:r>
-              <a:rPr lang="en-US" sz="1200" dirty="0" err="1"/>
-              <a:t>th</a:t>
-            </a:r>
-            <a:r>
-              <a:rPr lang="en-US" sz="1200" dirty="0"/>
-              <a:t>&gt;Age&lt;/</a:t>
-            </a:r>
-            <a:r>
-              <a:rPr lang="en-US" sz="1200" dirty="0" err="1"/>
-              <a:t>th</a:t>
-            </a:r>
-            <a:r>
-              <a:rPr lang="en-US" sz="1200" dirty="0"/>
-              <a:t>&gt;</a:t>
-            </a:r>
-          </a:p>
-          <a:p>
-            <a:r>
-              <a:rPr lang="en-US" sz="1200" dirty="0"/>
-              <a:t>    &lt;</a:t>
-            </a:r>
-            <a:r>
-              <a:rPr lang="en-US" sz="1200" dirty="0" err="1"/>
-              <a:t>th</a:t>
-            </a:r>
-            <a:r>
-              <a:rPr lang="en-US" sz="1200" dirty="0"/>
-              <a:t>&gt;Location&lt;/</a:t>
-            </a:r>
-            <a:r>
-              <a:rPr lang="en-US" sz="1200" dirty="0" err="1"/>
-              <a:t>th</a:t>
-            </a:r>
-            <a:r>
-              <a:rPr lang="en-US" sz="1200" dirty="0"/>
-              <a:t>&gt;</a:t>
-            </a:r>
-          </a:p>
-          <a:p>
-            <a:r>
-              <a:rPr lang="en-US" sz="1200" dirty="0"/>
-              <a:t>  &lt;/tr&gt;</a:t>
-            </a:r>
-          </a:p>
-          <a:p>
-            <a:r>
-              <a:rPr lang="en-US" sz="1200" dirty="0"/>
-              <a:t>  &lt;tr&gt;</a:t>
-            </a:r>
-          </a:p>
-          <a:p>
-            <a:r>
-              <a:rPr lang="en-US" sz="1200" dirty="0"/>
-              <a:t>    &lt;td&gt;John&lt;/td&gt;</a:t>
-            </a:r>
-          </a:p>
-          <a:p>
-            <a:r>
-              <a:rPr lang="en-US" sz="1200" dirty="0"/>
-              <a:t>    &lt;td </a:t>
-            </a:r>
-            <a:r>
-              <a:rPr lang="en-US" sz="1200" dirty="0" err="1"/>
-              <a:t>rowspan</a:t>
-            </a:r>
-            <a:r>
-              <a:rPr lang="en-US" sz="1200" dirty="0"/>
-              <a:t>="2"&gt;25&lt;/td&gt;</a:t>
-            </a:r>
-          </a:p>
-          <a:p>
-            <a:r>
-              <a:rPr lang="en-US" sz="1200" dirty="0"/>
-              <a:t>    &lt;td&gt;New York&lt;/td&gt;</a:t>
-            </a:r>
-          </a:p>
-          <a:p>
-            <a:r>
-              <a:rPr lang="en-US" sz="1200" dirty="0"/>
-              <a:t>  &lt;/tr&gt;</a:t>
-            </a:r>
-          </a:p>
-          <a:p>
-            <a:r>
-              <a:rPr lang="en-US" sz="1200" dirty="0"/>
-              <a:t>  &lt;tr&gt;</a:t>
-            </a:r>
-          </a:p>
-          <a:p>
-            <a:r>
-              <a:rPr lang="en-US" sz="1200" dirty="0"/>
-              <a:t>    &lt;td&gt;Jane&lt;/td&gt;</a:t>
-            </a:r>
-          </a:p>
-          <a:p>
-            <a:r>
-              <a:rPr lang="en-US" sz="1200" dirty="0"/>
-              <a:t>    &lt;td&gt;Los Angeles&lt;/td&gt;</a:t>
-            </a:r>
-          </a:p>
-          <a:p>
-            <a:r>
-              <a:rPr lang="en-US" sz="1200" dirty="0"/>
-              <a:t>  &lt;/tr&gt;</a:t>
-            </a:r>
-          </a:p>
-          <a:p>
-            <a:r>
-              <a:rPr lang="en-US" sz="1200" dirty="0"/>
-              <a:t>  &lt;tr&gt;</a:t>
-            </a:r>
-          </a:p>
-          <a:p>
-            <a:r>
-              <a:rPr lang="en-US" sz="1200" dirty="0"/>
-              <a:t>    &lt;td </a:t>
-            </a:r>
-            <a:r>
-              <a:rPr lang="en-US" sz="1200" dirty="0" err="1"/>
-              <a:t>colspan</a:t>
-            </a:r>
-            <a:r>
-              <a:rPr lang="en-US" sz="1200" dirty="0"/>
-              <a:t>="2"&gt;Total&lt;/td&gt;</a:t>
-            </a:r>
-          </a:p>
-          <a:p>
-            <a:r>
-              <a:rPr lang="en-US" sz="1200" dirty="0"/>
-              <a:t>    &lt;td&gt;2 People&lt;/td&gt;</a:t>
-            </a:r>
-          </a:p>
-          <a:p>
-            <a:r>
-              <a:rPr lang="en-US" sz="1200" dirty="0"/>
-              <a:t>  &lt;/tr&gt;</a:t>
-            </a:r>
-          </a:p>
-          <a:p>
-            <a:r>
-              <a:rPr lang="en-US" sz="1200" dirty="0"/>
-              <a:t>&lt;/table&gt;</a:t>
-            </a:r>
-            <a:endParaRPr lang="en-IN" sz="1200" dirty="0"/>
-          </a:p>
-        </p:txBody>
-      </p:sp>
-    </p:spTree>
-    <p:extLst>
-      <p:ext uri="{BB962C8B-B14F-4D97-AF65-F5344CB8AC3E}">
-        <p14:creationId xmlns:p14="http://schemas.microsoft.com/office/powerpoint/2010/main" val="2637378502"/>
-      </p:ext>
-    </p:extLst>
-  </p:cSld>
-  <p:clrMapOvr>
-    <a:masterClrMapping/>
-  </p:clrMapOvr>
-</p:sld>
-</file>
-
-<file path=ppt/slides/slide21.xml><?xml version="1.0" encoding="utf-8"?>
-<p:sld xmlns:a="http://schemas.openxmlformats.org/drawingml/2006/main" xmlns:r="http://schemas.openxmlformats.org/officeDocument/2006/relationships" xmlns:p="http://schemas.openxmlformats.org/presentationml/2006/main">
-  <p:cSld>
-    <p:spTree>
-      <p:nvGrpSpPr>
-        <p:cNvPr id="1" name=""/>
-        <p:cNvGrpSpPr/>
-        <p:nvPr/>
-      </p:nvGrpSpPr>
-      <p:grpSpPr>
-        <a:xfrm>
-          <a:off x="0" y="0"/>
-          <a:ext cx="0" cy="0"/>
-          <a:chOff x="0" y="0"/>
-          <a:chExt cx="0" cy="0"/>
-        </a:xfrm>
-      </p:grpSpPr>
-      <p:sp>
-        <p:nvSpPr>
           <p:cNvPr id="2" name="Title 1">
             <a:extLst>
               <a:ext uri="{FF2B5EF4-FFF2-40B4-BE49-F238E27FC236}">
@@ -8676,7 +8615,7 @@
 </p:sld>
 </file>
 
-<file path=ppt/slides/slide22.xml><?xml version="1.0" encoding="utf-8"?>
+<file path=ppt/slides/slide21.xml><?xml version="1.0" encoding="utf-8"?>
 <p:sld xmlns:a="http://schemas.openxmlformats.org/drawingml/2006/main" xmlns:r="http://schemas.openxmlformats.org/officeDocument/2006/relationships" xmlns:p="http://schemas.openxmlformats.org/presentationml/2006/main">
   <p:cSld>
     <p:spTree>
@@ -8837,7 +8776,7 @@
 </p:sld>
 </file>
 
-<file path=ppt/slides/slide23.xml><?xml version="1.0" encoding="utf-8"?>
+<file path=ppt/slides/slide22.xml><?xml version="1.0" encoding="utf-8"?>
 <p:sld xmlns:a="http://schemas.openxmlformats.org/drawingml/2006/main" xmlns:r="http://schemas.openxmlformats.org/officeDocument/2006/relationships" xmlns:p="http://schemas.openxmlformats.org/presentationml/2006/main">
   <p:cSld>
     <p:spTree>
@@ -9013,7 +8952,7 @@
 </p:sld>
 </file>
 
-<file path=ppt/slides/slide24.xml><?xml version="1.0" encoding="utf-8"?>
+<file path=ppt/slides/slide23.xml><?xml version="1.0" encoding="utf-8"?>
 <p:sld xmlns:a="http://schemas.openxmlformats.org/drawingml/2006/main" xmlns:r="http://schemas.openxmlformats.org/officeDocument/2006/relationships" xmlns:p="http://schemas.openxmlformats.org/presentationml/2006/main">
   <p:cSld>
     <p:spTree>
@@ -9240,7 +9179,7 @@
 </p:sld>
 </file>
 
-<file path=ppt/slides/slide25.xml><?xml version="1.0" encoding="utf-8"?>
+<file path=ppt/slides/slide24.xml><?xml version="1.0" encoding="utf-8"?>
 <p:sld xmlns:a="http://schemas.openxmlformats.org/drawingml/2006/main" xmlns:r="http://schemas.openxmlformats.org/officeDocument/2006/relationships" xmlns:p="http://schemas.openxmlformats.org/presentationml/2006/main">
   <p:cSld>
     <p:spTree>
@@ -9273,7 +9212,12 @@
             <p:ph type="title"/>
           </p:nvPr>
         </p:nvSpPr>
-        <p:spPr/>
+        <p:spPr>
+          <a:xfrm>
+            <a:off x="919119" y="24918"/>
+            <a:ext cx="10353761" cy="1326321"/>
+          </a:xfrm>
+        </p:spPr>
         <p:txBody>
           <a:bodyPr/>
           <a:lstStyle/>
@@ -9300,7 +9244,7 @@
         <p:spPr>
           <a:xfrm>
             <a:off x="173294" y="1935921"/>
-            <a:ext cx="6098458" cy="1754326"/>
+            <a:ext cx="6098458" cy="1969770"/>
           </a:xfrm>
           <a:prstGeom prst="rect">
             <a:avLst/>
@@ -9314,7 +9258,7 @@
           <a:lstStyle/>
           <a:p>
             <a:r>
-              <a:rPr lang="en-US" b="1" dirty="0"/>
+              <a:rPr lang="en-US" sz="3200" b="1" dirty="0"/>
               <a:t>Block Elements</a:t>
             </a:r>
           </a:p>
@@ -10016,7 +9960,7 @@
 </p:sld>
 </file>
 
-<file path=ppt/slides/slide26.xml><?xml version="1.0" encoding="utf-8"?>
+<file path=ppt/slides/slide25.xml><?xml version="1.0" encoding="utf-8"?>
 <p:sld xmlns:a="http://schemas.openxmlformats.org/drawingml/2006/main" xmlns:r="http://schemas.openxmlformats.org/officeDocument/2006/relationships" xmlns:p="http://schemas.openxmlformats.org/presentationml/2006/main">
   <p:cSld>
     <p:spTree>
@@ -10073,7 +10017,7 @@
             </a:r>
             <a:r>
               <a:rPr lang="en-US" sz="2400" dirty="0"/>
-              <a:t> do not start on a new line; they remain in the same line as surrounding content. They only take up as much width as necessary (the width of their content), and they cannot contain block elements.</a:t>
+              <a:t> do not always start on a new line; they remain in the same line as surrounding content. They only take up as much width as necessary (the width of their content), and they cannot contain block elements.</a:t>
             </a:r>
           </a:p>
         </p:txBody>
@@ -10828,7 +10772,7 @@
 </p:sld>
 </file>
 
-<file path=ppt/slides/slide27.xml><?xml version="1.0" encoding="utf-8"?>
+<file path=ppt/slides/slide26.xml><?xml version="1.0" encoding="utf-8"?>
 <p:sld xmlns:a="http://schemas.openxmlformats.org/drawingml/2006/main" xmlns:r="http://schemas.openxmlformats.org/officeDocument/2006/relationships" xmlns:p="http://schemas.openxmlformats.org/presentationml/2006/main">
   <p:cSld>
     <p:spTree>
@@ -11480,7 +11424,7 @@
 </p:sld>
 </file>
 
-<file path=ppt/slides/slide28.xml><?xml version="1.0" encoding="utf-8"?>
+<file path=ppt/slides/slide27.xml><?xml version="1.0" encoding="utf-8"?>
 <p:sld xmlns:a="http://schemas.openxmlformats.org/drawingml/2006/main" xmlns:r="http://schemas.openxmlformats.org/officeDocument/2006/relationships" xmlns:p="http://schemas.openxmlformats.org/presentationml/2006/main">
   <p:cSld>
     <p:spTree>
@@ -11514,7 +11458,7 @@
         <p:spPr bwMode="auto">
           <a:xfrm>
             <a:off x="206478" y="619835"/>
-            <a:ext cx="11484234" cy="3170099"/>
+            <a:ext cx="11662167" cy="3170099"/>
           </a:xfrm>
           <a:prstGeom prst="rect">
             <a:avLst/>
@@ -12098,7 +12042,7 @@
 </p:sld>
 </file>
 
-<file path=ppt/slides/slide29.xml><?xml version="1.0" encoding="utf-8"?>
+<file path=ppt/slides/slide28.xml><?xml version="1.0" encoding="utf-8"?>
 <p:sld xmlns:a="http://schemas.openxmlformats.org/drawingml/2006/main" xmlns:r="http://schemas.openxmlformats.org/officeDocument/2006/relationships" xmlns:p="http://schemas.openxmlformats.org/presentationml/2006/main">
   <p:cSld>
     <p:spTree>
@@ -12594,35 +12538,7 @@
                 <a:latin typeface="Arial" panose="020B0604020202020204" pitchFamily="34" charset="0"/>
                 <a:cs typeface="Arial" panose="020B0604020202020204" pitchFamily="34" charset="0"/>
               </a:rPr>
-              <a:t>" width="width" height="height" </a:t>
-            </a:r>
-            <a:r>
-              <a:rPr kumimoji="0" lang="en-US" altLang="en-US" sz="2000" b="0" i="0" u="none" strike="noStrike" cap="none" normalizeH="0" baseline="0" dirty="0" err="1">
-                <a:ln>
-                  <a:noFill/>
-                </a:ln>
-                <a:solidFill>
-                  <a:schemeClr val="tx1"/>
-                </a:solidFill>
-                <a:effectLst/>
-                <a:latin typeface="Arial" panose="020B0604020202020204" pitchFamily="34" charset="0"/>
-                <a:cs typeface="Arial" panose="020B0604020202020204" pitchFamily="34" charset="0"/>
-              </a:rPr>
-              <a:t>allowfullscreen</a:t>
-            </a:r>
-            <a:r>
-              <a:rPr kumimoji="0" lang="en-US" altLang="en-US" sz="2000" b="0" i="0" u="none" strike="noStrike" cap="none" normalizeH="0" baseline="0" dirty="0">
-                <a:ln>
-                  <a:noFill/>
-                </a:ln>
-                <a:solidFill>
-                  <a:schemeClr val="tx1"/>
-                </a:solidFill>
-                <a:effectLst/>
-                <a:latin typeface="Arial" panose="020B0604020202020204" pitchFamily="34" charset="0"/>
-                <a:cs typeface="Arial" panose="020B0604020202020204" pitchFamily="34" charset="0"/>
-              </a:rPr>
-              <a:t>&gt;&lt;/</a:t>
+              <a:t>" width="width" height="height“ &gt;&lt;/</a:t>
             </a:r>
             <a:r>
               <a:rPr kumimoji="0" lang="en-US" altLang="en-US" sz="2000" b="0" i="0" u="none" strike="noStrike" cap="none" normalizeH="0" baseline="0" dirty="0" err="1">
@@ -12688,6 +12604,618 @@
     <p:extLst>
       <p:ext uri="{BB962C8B-B14F-4D97-AF65-F5344CB8AC3E}">
         <p14:creationId xmlns:p14="http://schemas.microsoft.com/office/powerpoint/2010/main" val="725070532"/>
+      </p:ext>
+    </p:extLst>
+  </p:cSld>
+  <p:clrMapOvr>
+    <a:masterClrMapping/>
+  </p:clrMapOvr>
+</p:sld>
+</file>
+
+<file path=ppt/slides/slide29.xml><?xml version="1.0" encoding="utf-8"?>
+<p:sld xmlns:a="http://schemas.openxmlformats.org/drawingml/2006/main" xmlns:r="http://schemas.openxmlformats.org/officeDocument/2006/relationships" xmlns:p="http://schemas.openxmlformats.org/presentationml/2006/main">
+  <p:cSld>
+    <p:spTree>
+      <p:nvGrpSpPr>
+        <p:cNvPr id="1" name=""/>
+        <p:cNvGrpSpPr/>
+        <p:nvPr/>
+      </p:nvGrpSpPr>
+      <p:grpSpPr>
+        <a:xfrm>
+          <a:off x="0" y="0"/>
+          <a:ext cx="0" cy="0"/>
+          <a:chOff x="0" y="0"/>
+          <a:chExt cx="0" cy="0"/>
+        </a:xfrm>
+      </p:grpSpPr>
+      <p:sp>
+        <p:nvSpPr>
+          <p:cNvPr id="2" name="Title 1">
+            <a:extLst>
+              <a:ext uri="{FF2B5EF4-FFF2-40B4-BE49-F238E27FC236}">
+                <a16:creationId xmlns:a16="http://schemas.microsoft.com/office/drawing/2014/main" id="{F3B65EC1-2A59-EF7B-0D94-B1E6CFD958D8}"/>
+              </a:ext>
+            </a:extLst>
+          </p:cNvPr>
+          <p:cNvSpPr>
+            <a:spLocks noGrp="1"/>
+          </p:cNvSpPr>
+          <p:nvPr>
+            <p:ph type="title"/>
+          </p:nvPr>
+        </p:nvSpPr>
+        <p:spPr/>
+        <p:txBody>
+          <a:bodyPr/>
+          <a:lstStyle/>
+          <a:p>
+            <a:r>
+              <a:rPr lang="en-IN" dirty="0"/>
+              <a:t>HTML5 Semantic Elements</a:t>
+            </a:r>
+          </a:p>
+        </p:txBody>
+      </p:sp>
+      <p:sp>
+        <p:nvSpPr>
+          <p:cNvPr id="5" name="TextBox 4">
+            <a:extLst>
+              <a:ext uri="{FF2B5EF4-FFF2-40B4-BE49-F238E27FC236}">
+                <a16:creationId xmlns:a16="http://schemas.microsoft.com/office/drawing/2014/main" id="{DA3EDD5B-F739-393B-D0BC-B1A764739D26}"/>
+              </a:ext>
+            </a:extLst>
+          </p:cNvPr>
+          <p:cNvSpPr txBox="1"/>
+          <p:nvPr/>
+        </p:nvSpPr>
+        <p:spPr>
+          <a:xfrm>
+            <a:off x="365022" y="1935921"/>
+            <a:ext cx="11826978" cy="923330"/>
+          </a:xfrm>
+          <a:prstGeom prst="rect">
+            <a:avLst/>
+          </a:prstGeom>
+          <a:noFill/>
+        </p:spPr>
+        <p:txBody>
+          <a:bodyPr wrap="square">
+            <a:spAutoFit/>
+          </a:bodyPr>
+          <a:lstStyle/>
+          <a:p>
+            <a:r>
+              <a:rPr lang="en-US" dirty="0"/>
+              <a:t>HTML5 introduced a variety of </a:t>
+            </a:r>
+            <a:r>
+              <a:rPr lang="en-US" b="1" dirty="0"/>
+              <a:t>semantic elements</a:t>
+            </a:r>
+            <a:r>
+              <a:rPr lang="en-US" dirty="0"/>
+              <a:t> that clearly describe their meaning in a human- and machine-readable way. These elements help improve the structure of your HTML code and make it more accessible for search engines and assistive technologies (like screen readers).</a:t>
+            </a:r>
+            <a:endParaRPr lang="en-IN" dirty="0"/>
+          </a:p>
+        </p:txBody>
+      </p:sp>
+      <p:sp>
+        <p:nvSpPr>
+          <p:cNvPr id="7" name="TextBox 6">
+            <a:extLst>
+              <a:ext uri="{FF2B5EF4-FFF2-40B4-BE49-F238E27FC236}">
+                <a16:creationId xmlns:a16="http://schemas.microsoft.com/office/drawing/2014/main" id="{0E30B55A-2FA9-ACE3-F5E6-5A7E60B6C0FD}"/>
+              </a:ext>
+            </a:extLst>
+          </p:cNvPr>
+          <p:cNvSpPr txBox="1"/>
+          <p:nvPr/>
+        </p:nvSpPr>
+        <p:spPr>
+          <a:xfrm>
+            <a:off x="0" y="3059668"/>
+            <a:ext cx="6098458" cy="369332"/>
+          </a:xfrm>
+          <a:prstGeom prst="rect">
+            <a:avLst/>
+          </a:prstGeom>
+          <a:noFill/>
+        </p:spPr>
+        <p:txBody>
+          <a:bodyPr wrap="square">
+            <a:spAutoFit/>
+          </a:bodyPr>
+          <a:lstStyle/>
+          <a:p>
+            <a:r>
+              <a:rPr lang="en-IN" dirty="0"/>
+              <a:t>Common HTML5 Semantic Elements:</a:t>
+            </a:r>
+          </a:p>
+        </p:txBody>
+      </p:sp>
+      <p:sp>
+        <p:nvSpPr>
+          <p:cNvPr id="8" name="Rectangle 1">
+            <a:extLst>
+              <a:ext uri="{FF2B5EF4-FFF2-40B4-BE49-F238E27FC236}">
+                <a16:creationId xmlns:a16="http://schemas.microsoft.com/office/drawing/2014/main" id="{00F06BB2-C0BE-F0FB-5555-0A3F531CE84A}"/>
+              </a:ext>
+            </a:extLst>
+          </p:cNvPr>
+          <p:cNvSpPr>
+            <a:spLocks noChangeArrowheads="1"/>
+          </p:cNvSpPr>
+          <p:nvPr/>
+        </p:nvSpPr>
+        <p:spPr bwMode="auto">
+          <a:xfrm>
+            <a:off x="0" y="3380125"/>
+            <a:ext cx="6418745" cy="3477875"/>
+          </a:xfrm>
+          <a:prstGeom prst="rect">
+            <a:avLst/>
+          </a:prstGeom>
+          <a:noFill/>
+          <a:ln>
+            <a:noFill/>
+          </a:ln>
+          <a:effectLst/>
+          <a:extLst>
+            <a:ext uri="{909E8E84-426E-40DD-AFC4-6F175D3DCCD1}">
+              <a14:hiddenFill xmlns:a14="http://schemas.microsoft.com/office/drawing/2010/main">
+                <a:solidFill>
+                  <a:schemeClr val="accent1"/>
+                </a:solidFill>
+              </a14:hiddenFill>
+            </a:ext>
+            <a:ext uri="{91240B29-F687-4F45-9708-019B960494DF}">
+              <a14:hiddenLine xmlns:a14="http://schemas.microsoft.com/office/drawing/2010/main" w="9525">
+                <a:solidFill>
+                  <a:schemeClr val="tx1"/>
+                </a:solidFill>
+                <a:miter lim="800000"/>
+                <a:headEnd/>
+                <a:tailEnd/>
+              </a14:hiddenLine>
+            </a:ext>
+            <a:ext uri="{AF507438-7753-43E0-B8FC-AC1667EBCBE1}">
+              <a14:hiddenEffects xmlns:a14="http://schemas.microsoft.com/office/drawing/2010/main">
+                <a:effectLst>
+                  <a:outerShdw dist="35921" dir="2700000" algn="ctr" rotWithShape="0">
+                    <a:schemeClr val="bg2"/>
+                  </a:outerShdw>
+                </a:effectLst>
+              </a14:hiddenEffects>
+            </a:ext>
+          </a:extLst>
+        </p:spPr>
+        <p:txBody>
+          <a:bodyPr vert="horz" wrap="none" lIns="91440" tIns="45720" rIns="91440" bIns="45720" numCol="1" anchor="ctr" anchorCtr="0" compatLnSpc="1">
+            <a:prstTxWarp prst="textNoShape">
+              <a:avLst/>
+            </a:prstTxWarp>
+            <a:spAutoFit/>
+          </a:bodyPr>
+          <a:lstStyle/>
+          <a:p>
+            <a:pPr marL="0" marR="0" lvl="0" indent="0" algn="l" defTabSz="914400" rtl="0" eaLnBrk="0" fontAlgn="base" latinLnBrk="0" hangingPunct="0">
+              <a:lnSpc>
+                <a:spcPct val="100000"/>
+              </a:lnSpc>
+              <a:spcBef>
+                <a:spcPct val="0"/>
+              </a:spcBef>
+              <a:spcAft>
+                <a:spcPct val="0"/>
+              </a:spcAft>
+              <a:buClrTx/>
+              <a:buSzTx/>
+              <a:buFontTx/>
+              <a:buNone/>
+              <a:tabLst/>
+            </a:pPr>
+            <a:r>
+              <a:rPr kumimoji="0" lang="en-US" altLang="en-US" sz="2000" b="1" i="0" u="none" strike="noStrike" cap="none" normalizeH="0" baseline="0" dirty="0">
+                <a:ln>
+                  <a:noFill/>
+                </a:ln>
+                <a:solidFill>
+                  <a:schemeClr val="tx1"/>
+                </a:solidFill>
+                <a:effectLst/>
+                <a:latin typeface="Arial" panose="020B0604020202020204" pitchFamily="34" charset="0"/>
+                <a:cs typeface="Arial" panose="020B0604020202020204" pitchFamily="34" charset="0"/>
+              </a:rPr>
+              <a:t>&lt;header&gt;</a:t>
+            </a:r>
+            <a:endParaRPr kumimoji="0" lang="en-US" altLang="en-US" sz="2000" b="0" i="0" u="none" strike="noStrike" cap="none" normalizeH="0" baseline="0" dirty="0">
+              <a:ln>
+                <a:noFill/>
+              </a:ln>
+              <a:solidFill>
+                <a:schemeClr val="tx1"/>
+              </a:solidFill>
+              <a:effectLst/>
+              <a:latin typeface="Arial" panose="020B0604020202020204" pitchFamily="34" charset="0"/>
+              <a:cs typeface="Arial" panose="020B0604020202020204" pitchFamily="34" charset="0"/>
+            </a:endParaRPr>
+          </a:p>
+          <a:p>
+            <a:pPr marL="0" marR="0" lvl="0" indent="0" algn="l" defTabSz="914400" rtl="0" eaLnBrk="0" fontAlgn="base" latinLnBrk="0" hangingPunct="0">
+              <a:lnSpc>
+                <a:spcPct val="100000"/>
+              </a:lnSpc>
+              <a:spcBef>
+                <a:spcPct val="0"/>
+              </a:spcBef>
+              <a:spcAft>
+                <a:spcPct val="0"/>
+              </a:spcAft>
+              <a:buClrTx/>
+              <a:buSzTx/>
+              <a:buFontTx/>
+              <a:buChar char="•"/>
+              <a:tabLst/>
+            </a:pPr>
+            <a:r>
+              <a:rPr kumimoji="0" lang="en-US" altLang="en-US" sz="2000" b="0" i="0" u="none" strike="noStrike" cap="none" normalizeH="0" baseline="0" dirty="0">
+                <a:ln>
+                  <a:noFill/>
+                </a:ln>
+                <a:solidFill>
+                  <a:schemeClr val="tx1"/>
+                </a:solidFill>
+                <a:effectLst/>
+                <a:latin typeface="Arial" panose="020B0604020202020204" pitchFamily="34" charset="0"/>
+                <a:cs typeface="Arial" panose="020B0604020202020204" pitchFamily="34" charset="0"/>
+              </a:rPr>
+              <a:t>Defines the introductory content or a section’s header </a:t>
+            </a:r>
+          </a:p>
+          <a:p>
+            <a:pPr marL="0" marR="0" lvl="0" indent="0" algn="l" defTabSz="914400" rtl="0" eaLnBrk="0" fontAlgn="base" latinLnBrk="0" hangingPunct="0">
+              <a:lnSpc>
+                <a:spcPct val="100000"/>
+              </a:lnSpc>
+              <a:spcBef>
+                <a:spcPct val="0"/>
+              </a:spcBef>
+              <a:spcAft>
+                <a:spcPct val="0"/>
+              </a:spcAft>
+              <a:buClrTx/>
+              <a:buSzTx/>
+              <a:tabLst/>
+            </a:pPr>
+            <a:r>
+              <a:rPr kumimoji="0" lang="en-US" altLang="en-US" sz="2000" b="0" i="0" u="none" strike="noStrike" cap="none" normalizeH="0" baseline="0" dirty="0">
+                <a:ln>
+                  <a:noFill/>
+                </a:ln>
+                <a:solidFill>
+                  <a:schemeClr val="tx1"/>
+                </a:solidFill>
+                <a:effectLst/>
+                <a:latin typeface="Arial" panose="020B0604020202020204" pitchFamily="34" charset="0"/>
+                <a:cs typeface="Arial" panose="020B0604020202020204" pitchFamily="34" charset="0"/>
+              </a:rPr>
+              <a:t> (often includes a logo, navigation, or introductory text).</a:t>
+            </a:r>
+          </a:p>
+          <a:p>
+            <a:pPr marL="0" marR="0" lvl="0" indent="0" algn="l" defTabSz="914400" rtl="0" eaLnBrk="0" fontAlgn="base" latinLnBrk="0" hangingPunct="0">
+              <a:lnSpc>
+                <a:spcPct val="100000"/>
+              </a:lnSpc>
+              <a:spcBef>
+                <a:spcPct val="0"/>
+              </a:spcBef>
+              <a:spcAft>
+                <a:spcPct val="0"/>
+              </a:spcAft>
+              <a:buClrTx/>
+              <a:buSzTx/>
+              <a:tabLst/>
+            </a:pPr>
+            <a:endParaRPr kumimoji="0" lang="en-US" altLang="en-US" sz="2000" b="0" i="0" u="none" strike="noStrike" cap="none" normalizeH="0" baseline="0" dirty="0">
+              <a:ln>
+                <a:noFill/>
+              </a:ln>
+              <a:solidFill>
+                <a:schemeClr val="tx1"/>
+              </a:solidFill>
+              <a:effectLst/>
+              <a:latin typeface="Arial" panose="020B0604020202020204" pitchFamily="34" charset="0"/>
+              <a:cs typeface="Arial" panose="020B0604020202020204" pitchFamily="34" charset="0"/>
+            </a:endParaRPr>
+          </a:p>
+          <a:p>
+            <a:pPr marL="0" marR="0" lvl="0" indent="0" algn="l" defTabSz="914400" rtl="0" eaLnBrk="0" fontAlgn="base" latinLnBrk="0" hangingPunct="0">
+              <a:lnSpc>
+                <a:spcPct val="100000"/>
+              </a:lnSpc>
+              <a:spcBef>
+                <a:spcPct val="0"/>
+              </a:spcBef>
+              <a:spcAft>
+                <a:spcPct val="0"/>
+              </a:spcAft>
+              <a:buClrTx/>
+              <a:buSzTx/>
+              <a:buFontTx/>
+              <a:buChar char="•"/>
+              <a:tabLst/>
+            </a:pPr>
+            <a:r>
+              <a:rPr kumimoji="0" lang="en-US" altLang="en-US" sz="2000" b="0" i="0" u="none" strike="noStrike" cap="none" normalizeH="0" baseline="0" dirty="0">
+                <a:ln>
+                  <a:noFill/>
+                </a:ln>
+                <a:solidFill>
+                  <a:schemeClr val="tx1"/>
+                </a:solidFill>
+                <a:effectLst/>
+                <a:latin typeface="Arial" panose="020B0604020202020204" pitchFamily="34" charset="0"/>
+                <a:cs typeface="Arial" panose="020B0604020202020204" pitchFamily="34" charset="0"/>
+              </a:rPr>
+              <a:t>Typically placed at the top of a document or section.</a:t>
+            </a:r>
+          </a:p>
+          <a:p>
+            <a:pPr marL="0" marR="0" lvl="0" indent="0" algn="l" defTabSz="914400" rtl="0" eaLnBrk="0" fontAlgn="base" latinLnBrk="0" hangingPunct="0">
+              <a:lnSpc>
+                <a:spcPct val="100000"/>
+              </a:lnSpc>
+              <a:spcBef>
+                <a:spcPct val="0"/>
+              </a:spcBef>
+              <a:spcAft>
+                <a:spcPct val="0"/>
+              </a:spcAft>
+              <a:buClrTx/>
+              <a:buSzTx/>
+              <a:buFontTx/>
+              <a:buNone/>
+              <a:tabLst/>
+            </a:pPr>
+            <a:endParaRPr kumimoji="0" lang="en-US" altLang="en-US" sz="2000" b="0" i="0" u="none" strike="noStrike" cap="none" normalizeH="0" baseline="0" dirty="0">
+              <a:ln>
+                <a:noFill/>
+              </a:ln>
+              <a:solidFill>
+                <a:schemeClr val="tx1"/>
+              </a:solidFill>
+              <a:effectLst/>
+              <a:latin typeface="Arial" panose="020B0604020202020204" pitchFamily="34" charset="0"/>
+              <a:cs typeface="Arial" panose="020B0604020202020204" pitchFamily="34" charset="0"/>
+            </a:endParaRPr>
+          </a:p>
+          <a:p>
+            <a:pPr marL="0" marR="0" lvl="0" indent="0" algn="l" defTabSz="914400" rtl="0" eaLnBrk="0" fontAlgn="base" latinLnBrk="0" hangingPunct="0">
+              <a:lnSpc>
+                <a:spcPct val="100000"/>
+              </a:lnSpc>
+              <a:spcBef>
+                <a:spcPct val="0"/>
+              </a:spcBef>
+              <a:spcAft>
+                <a:spcPct val="0"/>
+              </a:spcAft>
+              <a:buClrTx/>
+              <a:buSzTx/>
+              <a:buFontTx/>
+              <a:buNone/>
+              <a:tabLst/>
+            </a:pPr>
+            <a:r>
+              <a:rPr kumimoji="0" lang="en-US" altLang="en-US" sz="2000" b="0" i="0" u="none" strike="noStrike" cap="none" normalizeH="0" baseline="0" dirty="0">
+                <a:ln>
+                  <a:noFill/>
+                </a:ln>
+                <a:solidFill>
+                  <a:schemeClr val="tx1"/>
+                </a:solidFill>
+                <a:effectLst/>
+                <a:latin typeface="Arial" panose="020B0604020202020204" pitchFamily="34" charset="0"/>
+                <a:cs typeface="Arial" panose="020B0604020202020204" pitchFamily="34" charset="0"/>
+              </a:rPr>
+              <a:t>&lt;header&gt; </a:t>
+            </a:r>
+          </a:p>
+          <a:p>
+            <a:pPr marL="0" marR="0" lvl="0" indent="0" algn="l" defTabSz="914400" rtl="0" eaLnBrk="0" fontAlgn="base" latinLnBrk="0" hangingPunct="0">
+              <a:lnSpc>
+                <a:spcPct val="100000"/>
+              </a:lnSpc>
+              <a:spcBef>
+                <a:spcPct val="0"/>
+              </a:spcBef>
+              <a:spcAft>
+                <a:spcPct val="0"/>
+              </a:spcAft>
+              <a:buClrTx/>
+              <a:buSzTx/>
+              <a:buFontTx/>
+              <a:buNone/>
+              <a:tabLst/>
+            </a:pPr>
+            <a:r>
+              <a:rPr kumimoji="0" lang="en-US" altLang="en-US" sz="2000" b="0" i="0" u="none" strike="noStrike" cap="none" normalizeH="0" baseline="0" dirty="0">
+                <a:ln>
+                  <a:noFill/>
+                </a:ln>
+                <a:solidFill>
+                  <a:schemeClr val="tx1"/>
+                </a:solidFill>
+                <a:effectLst/>
+                <a:latin typeface="Arial" panose="020B0604020202020204" pitchFamily="34" charset="0"/>
+                <a:cs typeface="Arial" panose="020B0604020202020204" pitchFamily="34" charset="0"/>
+              </a:rPr>
+              <a:t>  &lt;h1&gt;My Website&lt;/h1&gt; &lt;nav&gt;</a:t>
+            </a:r>
+          </a:p>
+          <a:p>
+            <a:pPr marL="0" marR="0" lvl="0" indent="0" algn="l" defTabSz="914400" rtl="0" eaLnBrk="0" fontAlgn="base" latinLnBrk="0" hangingPunct="0">
+              <a:lnSpc>
+                <a:spcPct val="100000"/>
+              </a:lnSpc>
+              <a:spcBef>
+                <a:spcPct val="0"/>
+              </a:spcBef>
+              <a:spcAft>
+                <a:spcPct val="0"/>
+              </a:spcAft>
+              <a:buClrTx/>
+              <a:buSzTx/>
+              <a:buFontTx/>
+              <a:buNone/>
+              <a:tabLst/>
+            </a:pPr>
+            <a:r>
+              <a:rPr kumimoji="0" lang="en-US" altLang="en-US" sz="2000" b="0" i="0" u="none" strike="noStrike" cap="none" normalizeH="0" baseline="0" dirty="0">
+                <a:ln>
+                  <a:noFill/>
+                </a:ln>
+                <a:solidFill>
+                  <a:schemeClr val="tx1"/>
+                </a:solidFill>
+                <a:effectLst/>
+                <a:latin typeface="Arial" panose="020B0604020202020204" pitchFamily="34" charset="0"/>
+                <a:cs typeface="Arial" panose="020B0604020202020204" pitchFamily="34" charset="0"/>
+              </a:rPr>
+              <a:t>  &lt;a </a:t>
+            </a:r>
+            <a:r>
+              <a:rPr kumimoji="0" lang="en-US" altLang="en-US" sz="2000" b="0" i="0" u="none" strike="noStrike" cap="none" normalizeH="0" baseline="0" dirty="0" err="1">
+                <a:ln>
+                  <a:noFill/>
+                </a:ln>
+                <a:solidFill>
+                  <a:schemeClr val="tx1"/>
+                </a:solidFill>
+                <a:effectLst/>
+                <a:latin typeface="Arial" panose="020B0604020202020204" pitchFamily="34" charset="0"/>
+                <a:cs typeface="Arial" panose="020B0604020202020204" pitchFamily="34" charset="0"/>
+              </a:rPr>
+              <a:t>href</a:t>
+            </a:r>
+            <a:r>
+              <a:rPr kumimoji="0" lang="en-US" altLang="en-US" sz="2000" b="0" i="0" u="none" strike="noStrike" cap="none" normalizeH="0" baseline="0" dirty="0">
+                <a:ln>
+                  <a:noFill/>
+                </a:ln>
+                <a:solidFill>
+                  <a:schemeClr val="tx1"/>
+                </a:solidFill>
+                <a:effectLst/>
+                <a:latin typeface="Arial" panose="020B0604020202020204" pitchFamily="34" charset="0"/>
+                <a:cs typeface="Arial" panose="020B0604020202020204" pitchFamily="34" charset="0"/>
+              </a:rPr>
+              <a:t>="#"&gt;Home&lt;/a&gt; </a:t>
+            </a:r>
+          </a:p>
+          <a:p>
+            <a:pPr marL="0" marR="0" lvl="0" indent="0" algn="l" defTabSz="914400" rtl="0" eaLnBrk="0" fontAlgn="base" latinLnBrk="0" hangingPunct="0">
+              <a:lnSpc>
+                <a:spcPct val="100000"/>
+              </a:lnSpc>
+              <a:spcBef>
+                <a:spcPct val="0"/>
+              </a:spcBef>
+              <a:spcAft>
+                <a:spcPct val="0"/>
+              </a:spcAft>
+              <a:buClrTx/>
+              <a:buSzTx/>
+              <a:buFontTx/>
+              <a:buNone/>
+              <a:tabLst/>
+            </a:pPr>
+            <a:r>
+              <a:rPr kumimoji="0" lang="en-US" altLang="en-US" sz="2000" b="0" i="0" u="none" strike="noStrike" cap="none" normalizeH="0" baseline="0" dirty="0">
+                <a:ln>
+                  <a:noFill/>
+                </a:ln>
+                <a:solidFill>
+                  <a:schemeClr val="tx1"/>
+                </a:solidFill>
+                <a:effectLst/>
+                <a:latin typeface="Arial" panose="020B0604020202020204" pitchFamily="34" charset="0"/>
+                <a:cs typeface="Arial" panose="020B0604020202020204" pitchFamily="34" charset="0"/>
+              </a:rPr>
+              <a:t>  &lt;a </a:t>
+            </a:r>
+            <a:r>
+              <a:rPr kumimoji="0" lang="en-US" altLang="en-US" sz="2000" b="0" i="0" u="none" strike="noStrike" cap="none" normalizeH="0" baseline="0" dirty="0" err="1">
+                <a:ln>
+                  <a:noFill/>
+                </a:ln>
+                <a:solidFill>
+                  <a:schemeClr val="tx1"/>
+                </a:solidFill>
+                <a:effectLst/>
+                <a:latin typeface="Arial" panose="020B0604020202020204" pitchFamily="34" charset="0"/>
+                <a:cs typeface="Arial" panose="020B0604020202020204" pitchFamily="34" charset="0"/>
+              </a:rPr>
+              <a:t>href</a:t>
+            </a:r>
+            <a:r>
+              <a:rPr kumimoji="0" lang="en-US" altLang="en-US" sz="2000" b="0" i="0" u="none" strike="noStrike" cap="none" normalizeH="0" baseline="0" dirty="0">
+                <a:ln>
+                  <a:noFill/>
+                </a:ln>
+                <a:solidFill>
+                  <a:schemeClr val="tx1"/>
+                </a:solidFill>
+                <a:effectLst/>
+                <a:latin typeface="Arial" panose="020B0604020202020204" pitchFamily="34" charset="0"/>
+                <a:cs typeface="Arial" panose="020B0604020202020204" pitchFamily="34" charset="0"/>
+              </a:rPr>
+              <a:t>="#"&gt;About&lt;/a&gt; &lt;/nav&gt; </a:t>
+            </a:r>
+          </a:p>
+          <a:p>
+            <a:pPr marL="0" marR="0" lvl="0" indent="0" algn="l" defTabSz="914400" rtl="0" eaLnBrk="0" fontAlgn="base" latinLnBrk="0" hangingPunct="0">
+              <a:lnSpc>
+                <a:spcPct val="100000"/>
+              </a:lnSpc>
+              <a:spcBef>
+                <a:spcPct val="0"/>
+              </a:spcBef>
+              <a:spcAft>
+                <a:spcPct val="0"/>
+              </a:spcAft>
+              <a:buClrTx/>
+              <a:buSzTx/>
+              <a:buFontTx/>
+              <a:buNone/>
+              <a:tabLst/>
+            </a:pPr>
+            <a:r>
+              <a:rPr kumimoji="0" lang="en-US" altLang="en-US" sz="2000" b="0" i="0" u="none" strike="noStrike" cap="none" normalizeH="0" baseline="0" dirty="0">
+                <a:ln>
+                  <a:noFill/>
+                </a:ln>
+                <a:solidFill>
+                  <a:schemeClr val="tx1"/>
+                </a:solidFill>
+                <a:effectLst/>
+                <a:latin typeface="Arial" panose="020B0604020202020204" pitchFamily="34" charset="0"/>
+                <a:cs typeface="Arial" panose="020B0604020202020204" pitchFamily="34" charset="0"/>
+              </a:rPr>
+              <a:t>&lt;/header&gt;</a:t>
+            </a:r>
+          </a:p>
+        </p:txBody>
+      </p:sp>
+    </p:spTree>
+    <p:extLst>
+      <p:ext uri="{BB962C8B-B14F-4D97-AF65-F5344CB8AC3E}">
+        <p14:creationId xmlns:p14="http://schemas.microsoft.com/office/powerpoint/2010/main" val="2195530492"/>
       </p:ext>
     </p:extLst>
   </p:cSld>
@@ -12879,618 +13407,6 @@
 </file>
 
 <file path=ppt/slides/slide30.xml><?xml version="1.0" encoding="utf-8"?>
-<p:sld xmlns:a="http://schemas.openxmlformats.org/drawingml/2006/main" xmlns:r="http://schemas.openxmlformats.org/officeDocument/2006/relationships" xmlns:p="http://schemas.openxmlformats.org/presentationml/2006/main">
-  <p:cSld>
-    <p:spTree>
-      <p:nvGrpSpPr>
-        <p:cNvPr id="1" name=""/>
-        <p:cNvGrpSpPr/>
-        <p:nvPr/>
-      </p:nvGrpSpPr>
-      <p:grpSpPr>
-        <a:xfrm>
-          <a:off x="0" y="0"/>
-          <a:ext cx="0" cy="0"/>
-          <a:chOff x="0" y="0"/>
-          <a:chExt cx="0" cy="0"/>
-        </a:xfrm>
-      </p:grpSpPr>
-      <p:sp>
-        <p:nvSpPr>
-          <p:cNvPr id="2" name="Title 1">
-            <a:extLst>
-              <a:ext uri="{FF2B5EF4-FFF2-40B4-BE49-F238E27FC236}">
-                <a16:creationId xmlns:a16="http://schemas.microsoft.com/office/drawing/2014/main" id="{F3B65EC1-2A59-EF7B-0D94-B1E6CFD958D8}"/>
-              </a:ext>
-            </a:extLst>
-          </p:cNvPr>
-          <p:cNvSpPr>
-            <a:spLocks noGrp="1"/>
-          </p:cNvSpPr>
-          <p:nvPr>
-            <p:ph type="title"/>
-          </p:nvPr>
-        </p:nvSpPr>
-        <p:spPr/>
-        <p:txBody>
-          <a:bodyPr/>
-          <a:lstStyle/>
-          <a:p>
-            <a:r>
-              <a:rPr lang="en-IN" dirty="0"/>
-              <a:t>HTML5 Semantic Elements</a:t>
-            </a:r>
-          </a:p>
-        </p:txBody>
-      </p:sp>
-      <p:sp>
-        <p:nvSpPr>
-          <p:cNvPr id="5" name="TextBox 4">
-            <a:extLst>
-              <a:ext uri="{FF2B5EF4-FFF2-40B4-BE49-F238E27FC236}">
-                <a16:creationId xmlns:a16="http://schemas.microsoft.com/office/drawing/2014/main" id="{DA3EDD5B-F739-393B-D0BC-B1A764739D26}"/>
-              </a:ext>
-            </a:extLst>
-          </p:cNvPr>
-          <p:cNvSpPr txBox="1"/>
-          <p:nvPr/>
-        </p:nvSpPr>
-        <p:spPr>
-          <a:xfrm>
-            <a:off x="365022" y="1935921"/>
-            <a:ext cx="11826978" cy="923330"/>
-          </a:xfrm>
-          <a:prstGeom prst="rect">
-            <a:avLst/>
-          </a:prstGeom>
-          <a:noFill/>
-        </p:spPr>
-        <p:txBody>
-          <a:bodyPr wrap="square">
-            <a:spAutoFit/>
-          </a:bodyPr>
-          <a:lstStyle/>
-          <a:p>
-            <a:r>
-              <a:rPr lang="en-US" dirty="0"/>
-              <a:t>HTML5 introduced a variety of </a:t>
-            </a:r>
-            <a:r>
-              <a:rPr lang="en-US" b="1" dirty="0"/>
-              <a:t>semantic elements</a:t>
-            </a:r>
-            <a:r>
-              <a:rPr lang="en-US" dirty="0"/>
-              <a:t> that clearly describe their meaning in a human- and machine-readable way. These elements help improve the structure of your HTML code and make it more accessible for search engines and assistive technologies (like screen readers).</a:t>
-            </a:r>
-            <a:endParaRPr lang="en-IN" dirty="0"/>
-          </a:p>
-        </p:txBody>
-      </p:sp>
-      <p:sp>
-        <p:nvSpPr>
-          <p:cNvPr id="7" name="TextBox 6">
-            <a:extLst>
-              <a:ext uri="{FF2B5EF4-FFF2-40B4-BE49-F238E27FC236}">
-                <a16:creationId xmlns:a16="http://schemas.microsoft.com/office/drawing/2014/main" id="{0E30B55A-2FA9-ACE3-F5E6-5A7E60B6C0FD}"/>
-              </a:ext>
-            </a:extLst>
-          </p:cNvPr>
-          <p:cNvSpPr txBox="1"/>
-          <p:nvPr/>
-        </p:nvSpPr>
-        <p:spPr>
-          <a:xfrm>
-            <a:off x="0" y="3059668"/>
-            <a:ext cx="6098458" cy="369332"/>
-          </a:xfrm>
-          <a:prstGeom prst="rect">
-            <a:avLst/>
-          </a:prstGeom>
-          <a:noFill/>
-        </p:spPr>
-        <p:txBody>
-          <a:bodyPr wrap="square">
-            <a:spAutoFit/>
-          </a:bodyPr>
-          <a:lstStyle/>
-          <a:p>
-            <a:r>
-              <a:rPr lang="en-IN" dirty="0"/>
-              <a:t>Common HTML5 Semantic Elements:</a:t>
-            </a:r>
-          </a:p>
-        </p:txBody>
-      </p:sp>
-      <p:sp>
-        <p:nvSpPr>
-          <p:cNvPr id="8" name="Rectangle 1">
-            <a:extLst>
-              <a:ext uri="{FF2B5EF4-FFF2-40B4-BE49-F238E27FC236}">
-                <a16:creationId xmlns:a16="http://schemas.microsoft.com/office/drawing/2014/main" id="{00F06BB2-C0BE-F0FB-5555-0A3F531CE84A}"/>
-              </a:ext>
-            </a:extLst>
-          </p:cNvPr>
-          <p:cNvSpPr>
-            <a:spLocks noChangeArrowheads="1"/>
-          </p:cNvSpPr>
-          <p:nvPr/>
-        </p:nvSpPr>
-        <p:spPr bwMode="auto">
-          <a:xfrm>
-            <a:off x="0" y="3380125"/>
-            <a:ext cx="6418745" cy="3477875"/>
-          </a:xfrm>
-          <a:prstGeom prst="rect">
-            <a:avLst/>
-          </a:prstGeom>
-          <a:noFill/>
-          <a:ln>
-            <a:noFill/>
-          </a:ln>
-          <a:effectLst/>
-          <a:extLst>
-            <a:ext uri="{909E8E84-426E-40DD-AFC4-6F175D3DCCD1}">
-              <a14:hiddenFill xmlns:a14="http://schemas.microsoft.com/office/drawing/2010/main">
-                <a:solidFill>
-                  <a:schemeClr val="accent1"/>
-                </a:solidFill>
-              </a14:hiddenFill>
-            </a:ext>
-            <a:ext uri="{91240B29-F687-4F45-9708-019B960494DF}">
-              <a14:hiddenLine xmlns:a14="http://schemas.microsoft.com/office/drawing/2010/main" w="9525">
-                <a:solidFill>
-                  <a:schemeClr val="tx1"/>
-                </a:solidFill>
-                <a:miter lim="800000"/>
-                <a:headEnd/>
-                <a:tailEnd/>
-              </a14:hiddenLine>
-            </a:ext>
-            <a:ext uri="{AF507438-7753-43E0-B8FC-AC1667EBCBE1}">
-              <a14:hiddenEffects xmlns:a14="http://schemas.microsoft.com/office/drawing/2010/main">
-                <a:effectLst>
-                  <a:outerShdw dist="35921" dir="2700000" algn="ctr" rotWithShape="0">
-                    <a:schemeClr val="bg2"/>
-                  </a:outerShdw>
-                </a:effectLst>
-              </a14:hiddenEffects>
-            </a:ext>
-          </a:extLst>
-        </p:spPr>
-        <p:txBody>
-          <a:bodyPr vert="horz" wrap="none" lIns="91440" tIns="45720" rIns="91440" bIns="45720" numCol="1" anchor="ctr" anchorCtr="0" compatLnSpc="1">
-            <a:prstTxWarp prst="textNoShape">
-              <a:avLst/>
-            </a:prstTxWarp>
-            <a:spAutoFit/>
-          </a:bodyPr>
-          <a:lstStyle/>
-          <a:p>
-            <a:pPr marL="0" marR="0" lvl="0" indent="0" algn="l" defTabSz="914400" rtl="0" eaLnBrk="0" fontAlgn="base" latinLnBrk="0" hangingPunct="0">
-              <a:lnSpc>
-                <a:spcPct val="100000"/>
-              </a:lnSpc>
-              <a:spcBef>
-                <a:spcPct val="0"/>
-              </a:spcBef>
-              <a:spcAft>
-                <a:spcPct val="0"/>
-              </a:spcAft>
-              <a:buClrTx/>
-              <a:buSzTx/>
-              <a:buFontTx/>
-              <a:buNone/>
-              <a:tabLst/>
-            </a:pPr>
-            <a:r>
-              <a:rPr kumimoji="0" lang="en-US" altLang="en-US" sz="2000" b="1" i="0" u="none" strike="noStrike" cap="none" normalizeH="0" baseline="0" dirty="0">
-                <a:ln>
-                  <a:noFill/>
-                </a:ln>
-                <a:solidFill>
-                  <a:schemeClr val="tx1"/>
-                </a:solidFill>
-                <a:effectLst/>
-                <a:latin typeface="Arial" panose="020B0604020202020204" pitchFamily="34" charset="0"/>
-                <a:cs typeface="Arial" panose="020B0604020202020204" pitchFamily="34" charset="0"/>
-              </a:rPr>
-              <a:t>&lt;header&gt;</a:t>
-            </a:r>
-            <a:endParaRPr kumimoji="0" lang="en-US" altLang="en-US" sz="2000" b="0" i="0" u="none" strike="noStrike" cap="none" normalizeH="0" baseline="0" dirty="0">
-              <a:ln>
-                <a:noFill/>
-              </a:ln>
-              <a:solidFill>
-                <a:schemeClr val="tx1"/>
-              </a:solidFill>
-              <a:effectLst/>
-              <a:latin typeface="Arial" panose="020B0604020202020204" pitchFamily="34" charset="0"/>
-              <a:cs typeface="Arial" panose="020B0604020202020204" pitchFamily="34" charset="0"/>
-            </a:endParaRPr>
-          </a:p>
-          <a:p>
-            <a:pPr marL="0" marR="0" lvl="0" indent="0" algn="l" defTabSz="914400" rtl="0" eaLnBrk="0" fontAlgn="base" latinLnBrk="0" hangingPunct="0">
-              <a:lnSpc>
-                <a:spcPct val="100000"/>
-              </a:lnSpc>
-              <a:spcBef>
-                <a:spcPct val="0"/>
-              </a:spcBef>
-              <a:spcAft>
-                <a:spcPct val="0"/>
-              </a:spcAft>
-              <a:buClrTx/>
-              <a:buSzTx/>
-              <a:buFontTx/>
-              <a:buChar char="•"/>
-              <a:tabLst/>
-            </a:pPr>
-            <a:r>
-              <a:rPr kumimoji="0" lang="en-US" altLang="en-US" sz="2000" b="0" i="0" u="none" strike="noStrike" cap="none" normalizeH="0" baseline="0" dirty="0">
-                <a:ln>
-                  <a:noFill/>
-                </a:ln>
-                <a:solidFill>
-                  <a:schemeClr val="tx1"/>
-                </a:solidFill>
-                <a:effectLst/>
-                <a:latin typeface="Arial" panose="020B0604020202020204" pitchFamily="34" charset="0"/>
-                <a:cs typeface="Arial" panose="020B0604020202020204" pitchFamily="34" charset="0"/>
-              </a:rPr>
-              <a:t>Defines the introductory content or a section’s header </a:t>
-            </a:r>
-          </a:p>
-          <a:p>
-            <a:pPr marL="0" marR="0" lvl="0" indent="0" algn="l" defTabSz="914400" rtl="0" eaLnBrk="0" fontAlgn="base" latinLnBrk="0" hangingPunct="0">
-              <a:lnSpc>
-                <a:spcPct val="100000"/>
-              </a:lnSpc>
-              <a:spcBef>
-                <a:spcPct val="0"/>
-              </a:spcBef>
-              <a:spcAft>
-                <a:spcPct val="0"/>
-              </a:spcAft>
-              <a:buClrTx/>
-              <a:buSzTx/>
-              <a:tabLst/>
-            </a:pPr>
-            <a:r>
-              <a:rPr kumimoji="0" lang="en-US" altLang="en-US" sz="2000" b="0" i="0" u="none" strike="noStrike" cap="none" normalizeH="0" baseline="0" dirty="0">
-                <a:ln>
-                  <a:noFill/>
-                </a:ln>
-                <a:solidFill>
-                  <a:schemeClr val="tx1"/>
-                </a:solidFill>
-                <a:effectLst/>
-                <a:latin typeface="Arial" panose="020B0604020202020204" pitchFamily="34" charset="0"/>
-                <a:cs typeface="Arial" panose="020B0604020202020204" pitchFamily="34" charset="0"/>
-              </a:rPr>
-              <a:t> (often includes a logo, navigation, or introductory text).</a:t>
-            </a:r>
-          </a:p>
-          <a:p>
-            <a:pPr marL="0" marR="0" lvl="0" indent="0" algn="l" defTabSz="914400" rtl="0" eaLnBrk="0" fontAlgn="base" latinLnBrk="0" hangingPunct="0">
-              <a:lnSpc>
-                <a:spcPct val="100000"/>
-              </a:lnSpc>
-              <a:spcBef>
-                <a:spcPct val="0"/>
-              </a:spcBef>
-              <a:spcAft>
-                <a:spcPct val="0"/>
-              </a:spcAft>
-              <a:buClrTx/>
-              <a:buSzTx/>
-              <a:tabLst/>
-            </a:pPr>
-            <a:endParaRPr kumimoji="0" lang="en-US" altLang="en-US" sz="2000" b="0" i="0" u="none" strike="noStrike" cap="none" normalizeH="0" baseline="0" dirty="0">
-              <a:ln>
-                <a:noFill/>
-              </a:ln>
-              <a:solidFill>
-                <a:schemeClr val="tx1"/>
-              </a:solidFill>
-              <a:effectLst/>
-              <a:latin typeface="Arial" panose="020B0604020202020204" pitchFamily="34" charset="0"/>
-              <a:cs typeface="Arial" panose="020B0604020202020204" pitchFamily="34" charset="0"/>
-            </a:endParaRPr>
-          </a:p>
-          <a:p>
-            <a:pPr marL="0" marR="0" lvl="0" indent="0" algn="l" defTabSz="914400" rtl="0" eaLnBrk="0" fontAlgn="base" latinLnBrk="0" hangingPunct="0">
-              <a:lnSpc>
-                <a:spcPct val="100000"/>
-              </a:lnSpc>
-              <a:spcBef>
-                <a:spcPct val="0"/>
-              </a:spcBef>
-              <a:spcAft>
-                <a:spcPct val="0"/>
-              </a:spcAft>
-              <a:buClrTx/>
-              <a:buSzTx/>
-              <a:buFontTx/>
-              <a:buChar char="•"/>
-              <a:tabLst/>
-            </a:pPr>
-            <a:r>
-              <a:rPr kumimoji="0" lang="en-US" altLang="en-US" sz="2000" b="0" i="0" u="none" strike="noStrike" cap="none" normalizeH="0" baseline="0" dirty="0">
-                <a:ln>
-                  <a:noFill/>
-                </a:ln>
-                <a:solidFill>
-                  <a:schemeClr val="tx1"/>
-                </a:solidFill>
-                <a:effectLst/>
-                <a:latin typeface="Arial" panose="020B0604020202020204" pitchFamily="34" charset="0"/>
-                <a:cs typeface="Arial" panose="020B0604020202020204" pitchFamily="34" charset="0"/>
-              </a:rPr>
-              <a:t>Typically placed at the top of a document or section.</a:t>
-            </a:r>
-          </a:p>
-          <a:p>
-            <a:pPr marL="0" marR="0" lvl="0" indent="0" algn="l" defTabSz="914400" rtl="0" eaLnBrk="0" fontAlgn="base" latinLnBrk="0" hangingPunct="0">
-              <a:lnSpc>
-                <a:spcPct val="100000"/>
-              </a:lnSpc>
-              <a:spcBef>
-                <a:spcPct val="0"/>
-              </a:spcBef>
-              <a:spcAft>
-                <a:spcPct val="0"/>
-              </a:spcAft>
-              <a:buClrTx/>
-              <a:buSzTx/>
-              <a:buFontTx/>
-              <a:buNone/>
-              <a:tabLst/>
-            </a:pPr>
-            <a:endParaRPr kumimoji="0" lang="en-US" altLang="en-US" sz="2000" b="0" i="0" u="none" strike="noStrike" cap="none" normalizeH="0" baseline="0" dirty="0">
-              <a:ln>
-                <a:noFill/>
-              </a:ln>
-              <a:solidFill>
-                <a:schemeClr val="tx1"/>
-              </a:solidFill>
-              <a:effectLst/>
-              <a:latin typeface="Arial" panose="020B0604020202020204" pitchFamily="34" charset="0"/>
-              <a:cs typeface="Arial" panose="020B0604020202020204" pitchFamily="34" charset="0"/>
-            </a:endParaRPr>
-          </a:p>
-          <a:p>
-            <a:pPr marL="0" marR="0" lvl="0" indent="0" algn="l" defTabSz="914400" rtl="0" eaLnBrk="0" fontAlgn="base" latinLnBrk="0" hangingPunct="0">
-              <a:lnSpc>
-                <a:spcPct val="100000"/>
-              </a:lnSpc>
-              <a:spcBef>
-                <a:spcPct val="0"/>
-              </a:spcBef>
-              <a:spcAft>
-                <a:spcPct val="0"/>
-              </a:spcAft>
-              <a:buClrTx/>
-              <a:buSzTx/>
-              <a:buFontTx/>
-              <a:buNone/>
-              <a:tabLst/>
-            </a:pPr>
-            <a:r>
-              <a:rPr kumimoji="0" lang="en-US" altLang="en-US" sz="2000" b="0" i="0" u="none" strike="noStrike" cap="none" normalizeH="0" baseline="0" dirty="0">
-                <a:ln>
-                  <a:noFill/>
-                </a:ln>
-                <a:solidFill>
-                  <a:schemeClr val="tx1"/>
-                </a:solidFill>
-                <a:effectLst/>
-                <a:latin typeface="Arial" panose="020B0604020202020204" pitchFamily="34" charset="0"/>
-                <a:cs typeface="Arial" panose="020B0604020202020204" pitchFamily="34" charset="0"/>
-              </a:rPr>
-              <a:t>&lt;header&gt; </a:t>
-            </a:r>
-          </a:p>
-          <a:p>
-            <a:pPr marL="0" marR="0" lvl="0" indent="0" algn="l" defTabSz="914400" rtl="0" eaLnBrk="0" fontAlgn="base" latinLnBrk="0" hangingPunct="0">
-              <a:lnSpc>
-                <a:spcPct val="100000"/>
-              </a:lnSpc>
-              <a:spcBef>
-                <a:spcPct val="0"/>
-              </a:spcBef>
-              <a:spcAft>
-                <a:spcPct val="0"/>
-              </a:spcAft>
-              <a:buClrTx/>
-              <a:buSzTx/>
-              <a:buFontTx/>
-              <a:buNone/>
-              <a:tabLst/>
-            </a:pPr>
-            <a:r>
-              <a:rPr kumimoji="0" lang="en-US" altLang="en-US" sz="2000" b="0" i="0" u="none" strike="noStrike" cap="none" normalizeH="0" baseline="0" dirty="0">
-                <a:ln>
-                  <a:noFill/>
-                </a:ln>
-                <a:solidFill>
-                  <a:schemeClr val="tx1"/>
-                </a:solidFill>
-                <a:effectLst/>
-                <a:latin typeface="Arial" panose="020B0604020202020204" pitchFamily="34" charset="0"/>
-                <a:cs typeface="Arial" panose="020B0604020202020204" pitchFamily="34" charset="0"/>
-              </a:rPr>
-              <a:t>  &lt;h1&gt;My Website&lt;/h1&gt; &lt;nav&gt;</a:t>
-            </a:r>
-          </a:p>
-          <a:p>
-            <a:pPr marL="0" marR="0" lvl="0" indent="0" algn="l" defTabSz="914400" rtl="0" eaLnBrk="0" fontAlgn="base" latinLnBrk="0" hangingPunct="0">
-              <a:lnSpc>
-                <a:spcPct val="100000"/>
-              </a:lnSpc>
-              <a:spcBef>
-                <a:spcPct val="0"/>
-              </a:spcBef>
-              <a:spcAft>
-                <a:spcPct val="0"/>
-              </a:spcAft>
-              <a:buClrTx/>
-              <a:buSzTx/>
-              <a:buFontTx/>
-              <a:buNone/>
-              <a:tabLst/>
-            </a:pPr>
-            <a:r>
-              <a:rPr kumimoji="0" lang="en-US" altLang="en-US" sz="2000" b="0" i="0" u="none" strike="noStrike" cap="none" normalizeH="0" baseline="0" dirty="0">
-                <a:ln>
-                  <a:noFill/>
-                </a:ln>
-                <a:solidFill>
-                  <a:schemeClr val="tx1"/>
-                </a:solidFill>
-                <a:effectLst/>
-                <a:latin typeface="Arial" panose="020B0604020202020204" pitchFamily="34" charset="0"/>
-                <a:cs typeface="Arial" panose="020B0604020202020204" pitchFamily="34" charset="0"/>
-              </a:rPr>
-              <a:t>  &lt;a </a:t>
-            </a:r>
-            <a:r>
-              <a:rPr kumimoji="0" lang="en-US" altLang="en-US" sz="2000" b="0" i="0" u="none" strike="noStrike" cap="none" normalizeH="0" baseline="0" dirty="0" err="1">
-                <a:ln>
-                  <a:noFill/>
-                </a:ln>
-                <a:solidFill>
-                  <a:schemeClr val="tx1"/>
-                </a:solidFill>
-                <a:effectLst/>
-                <a:latin typeface="Arial" panose="020B0604020202020204" pitchFamily="34" charset="0"/>
-                <a:cs typeface="Arial" panose="020B0604020202020204" pitchFamily="34" charset="0"/>
-              </a:rPr>
-              <a:t>href</a:t>
-            </a:r>
-            <a:r>
-              <a:rPr kumimoji="0" lang="en-US" altLang="en-US" sz="2000" b="0" i="0" u="none" strike="noStrike" cap="none" normalizeH="0" baseline="0" dirty="0">
-                <a:ln>
-                  <a:noFill/>
-                </a:ln>
-                <a:solidFill>
-                  <a:schemeClr val="tx1"/>
-                </a:solidFill>
-                <a:effectLst/>
-                <a:latin typeface="Arial" panose="020B0604020202020204" pitchFamily="34" charset="0"/>
-                <a:cs typeface="Arial" panose="020B0604020202020204" pitchFamily="34" charset="0"/>
-              </a:rPr>
-              <a:t>="#"&gt;Home&lt;/a&gt; </a:t>
-            </a:r>
-          </a:p>
-          <a:p>
-            <a:pPr marL="0" marR="0" lvl="0" indent="0" algn="l" defTabSz="914400" rtl="0" eaLnBrk="0" fontAlgn="base" latinLnBrk="0" hangingPunct="0">
-              <a:lnSpc>
-                <a:spcPct val="100000"/>
-              </a:lnSpc>
-              <a:spcBef>
-                <a:spcPct val="0"/>
-              </a:spcBef>
-              <a:spcAft>
-                <a:spcPct val="0"/>
-              </a:spcAft>
-              <a:buClrTx/>
-              <a:buSzTx/>
-              <a:buFontTx/>
-              <a:buNone/>
-              <a:tabLst/>
-            </a:pPr>
-            <a:r>
-              <a:rPr kumimoji="0" lang="en-US" altLang="en-US" sz="2000" b="0" i="0" u="none" strike="noStrike" cap="none" normalizeH="0" baseline="0" dirty="0">
-                <a:ln>
-                  <a:noFill/>
-                </a:ln>
-                <a:solidFill>
-                  <a:schemeClr val="tx1"/>
-                </a:solidFill>
-                <a:effectLst/>
-                <a:latin typeface="Arial" panose="020B0604020202020204" pitchFamily="34" charset="0"/>
-                <a:cs typeface="Arial" panose="020B0604020202020204" pitchFamily="34" charset="0"/>
-              </a:rPr>
-              <a:t>  &lt;a </a:t>
-            </a:r>
-            <a:r>
-              <a:rPr kumimoji="0" lang="en-US" altLang="en-US" sz="2000" b="0" i="0" u="none" strike="noStrike" cap="none" normalizeH="0" baseline="0" dirty="0" err="1">
-                <a:ln>
-                  <a:noFill/>
-                </a:ln>
-                <a:solidFill>
-                  <a:schemeClr val="tx1"/>
-                </a:solidFill>
-                <a:effectLst/>
-                <a:latin typeface="Arial" panose="020B0604020202020204" pitchFamily="34" charset="0"/>
-                <a:cs typeface="Arial" panose="020B0604020202020204" pitchFamily="34" charset="0"/>
-              </a:rPr>
-              <a:t>href</a:t>
-            </a:r>
-            <a:r>
-              <a:rPr kumimoji="0" lang="en-US" altLang="en-US" sz="2000" b="0" i="0" u="none" strike="noStrike" cap="none" normalizeH="0" baseline="0" dirty="0">
-                <a:ln>
-                  <a:noFill/>
-                </a:ln>
-                <a:solidFill>
-                  <a:schemeClr val="tx1"/>
-                </a:solidFill>
-                <a:effectLst/>
-                <a:latin typeface="Arial" panose="020B0604020202020204" pitchFamily="34" charset="0"/>
-                <a:cs typeface="Arial" panose="020B0604020202020204" pitchFamily="34" charset="0"/>
-              </a:rPr>
-              <a:t>="#"&gt;About&lt;/a&gt; &lt;/nav&gt; </a:t>
-            </a:r>
-          </a:p>
-          <a:p>
-            <a:pPr marL="0" marR="0" lvl="0" indent="0" algn="l" defTabSz="914400" rtl="0" eaLnBrk="0" fontAlgn="base" latinLnBrk="0" hangingPunct="0">
-              <a:lnSpc>
-                <a:spcPct val="100000"/>
-              </a:lnSpc>
-              <a:spcBef>
-                <a:spcPct val="0"/>
-              </a:spcBef>
-              <a:spcAft>
-                <a:spcPct val="0"/>
-              </a:spcAft>
-              <a:buClrTx/>
-              <a:buSzTx/>
-              <a:buFontTx/>
-              <a:buNone/>
-              <a:tabLst/>
-            </a:pPr>
-            <a:r>
-              <a:rPr kumimoji="0" lang="en-US" altLang="en-US" sz="2000" b="0" i="0" u="none" strike="noStrike" cap="none" normalizeH="0" baseline="0" dirty="0">
-                <a:ln>
-                  <a:noFill/>
-                </a:ln>
-                <a:solidFill>
-                  <a:schemeClr val="tx1"/>
-                </a:solidFill>
-                <a:effectLst/>
-                <a:latin typeface="Arial" panose="020B0604020202020204" pitchFamily="34" charset="0"/>
-                <a:cs typeface="Arial" panose="020B0604020202020204" pitchFamily="34" charset="0"/>
-              </a:rPr>
-              <a:t>&lt;/header&gt;</a:t>
-            </a:r>
-          </a:p>
-        </p:txBody>
-      </p:sp>
-    </p:spTree>
-    <p:extLst>
-      <p:ext uri="{BB962C8B-B14F-4D97-AF65-F5344CB8AC3E}">
-        <p14:creationId xmlns:p14="http://schemas.microsoft.com/office/powerpoint/2010/main" val="2195530492"/>
-      </p:ext>
-    </p:extLst>
-  </p:cSld>
-  <p:clrMapOvr>
-    <a:masterClrMapping/>
-  </p:clrMapOvr>
-</p:sld>
-</file>
-
-<file path=ppt/slides/slide31.xml><?xml version="1.0" encoding="utf-8"?>
 <p:sld xmlns:a="http://schemas.openxmlformats.org/drawingml/2006/main" xmlns:r="http://schemas.openxmlformats.org/officeDocument/2006/relationships" xmlns:p="http://schemas.openxmlformats.org/presentationml/2006/main">
   <p:cSld>
     <p:spTree>
@@ -13550,7 +13466,7 @@
 </p:sld>
 </file>
 
-<file path=ppt/slides/slide32.xml><?xml version="1.0" encoding="utf-8"?>
+<file path=ppt/slides/slide31.xml><?xml version="1.0" encoding="utf-8"?>
 <p:sld xmlns:a="http://schemas.openxmlformats.org/drawingml/2006/main" xmlns:r="http://schemas.openxmlformats.org/officeDocument/2006/relationships" xmlns:p="http://schemas.openxmlformats.org/presentationml/2006/main">
   <p:cSld>
     <p:spTree>
@@ -14455,7 +14371,7 @@
 </p:sld>
 </file>
 
-<file path=ppt/slides/slide33.xml><?xml version="1.0" encoding="utf-8"?>
+<file path=ppt/slides/slide32.xml><?xml version="1.0" encoding="utf-8"?>
 <p:sld xmlns:a="http://schemas.openxmlformats.org/drawingml/2006/main" xmlns:r="http://schemas.openxmlformats.org/officeDocument/2006/relationships" xmlns:p="http://schemas.openxmlformats.org/presentationml/2006/main">
   <p:cSld>
     <p:spTree>
@@ -15136,7 +15052,7 @@
 </p:sld>
 </file>
 
-<file path=ppt/slides/slide34.xml><?xml version="1.0" encoding="utf-8"?>
+<file path=ppt/slides/slide33.xml><?xml version="1.0" encoding="utf-8"?>
 <p:sld xmlns:a="http://schemas.openxmlformats.org/drawingml/2006/main" xmlns:r="http://schemas.openxmlformats.org/officeDocument/2006/relationships" xmlns:p="http://schemas.openxmlformats.org/presentationml/2006/main">
   <p:cSld>
     <p:spTree>
